--- a/trabajos.inacap.2019/Seguridad y auditoria informática/Unidad 3/Planilla Editable.pptx
+++ b/trabajos.inacap.2019/Seguridad y auditoria informática/Unidad 3/Planilla Editable.pptx
@@ -6,24 +6,28 @@
     <p:sldMasterId id="2147483662" r:id="rId5"/>
   </p:sldMasterIdLst>
   <p:notesMasterIdLst>
-    <p:notesMasterId r:id="rId16"/>
+    <p:notesMasterId r:id="rId20"/>
   </p:notesMasterIdLst>
   <p:sldIdLst>
     <p:sldId id="256" r:id="rId6"/>
     <p:sldId id="268" r:id="rId7"/>
     <p:sldId id="262" r:id="rId8"/>
     <p:sldId id="263" r:id="rId9"/>
-    <p:sldId id="264" r:id="rId10"/>
-    <p:sldId id="267" r:id="rId11"/>
-    <p:sldId id="265" r:id="rId12"/>
-    <p:sldId id="270" r:id="rId13"/>
-    <p:sldId id="266" r:id="rId14"/>
-    <p:sldId id="261" r:id="rId15"/>
+    <p:sldId id="265" r:id="rId10"/>
+    <p:sldId id="272" r:id="rId11"/>
+    <p:sldId id="270" r:id="rId12"/>
+    <p:sldId id="273" r:id="rId13"/>
+    <p:sldId id="274" r:id="rId14"/>
+    <p:sldId id="275" r:id="rId15"/>
+    <p:sldId id="276" r:id="rId16"/>
+    <p:sldId id="277" r:id="rId17"/>
+    <p:sldId id="278" r:id="rId18"/>
+    <p:sldId id="271" r:id="rId19"/>
   </p:sldIdLst>
   <p:sldSz cx="9144000" cy="6858000" type="screen4x3"/>
   <p:notesSz cx="6858000" cy="9144000"/>
   <p:custDataLst>
-    <p:tags r:id="rId17"/>
+    <p:tags r:id="rId21"/>
   </p:custDataLst>
   <p:defaultTextStyle>
     <a:defPPr>
@@ -141,9 +145,7 @@
 
 <file path=ppt/commentAuthors.xml><?xml version="1.0" encoding="utf-8"?>
 <p:cmAuthorLst xmlns:a="http://schemas.openxmlformats.org/drawingml/2006/main" xmlns:r="http://schemas.openxmlformats.org/officeDocument/2006/relationships" xmlns:p="http://schemas.openxmlformats.org/presentationml/2006/main">
-  <p:cmAuthor id="1" name="Jescica Puschel Oyaneder" initials="JPO" lastIdx="2" clrIdx="0">
-    <p:extLst/>
-  </p:cmAuthor>
+  <p:cmAuthor id="1" name="Jescica Puschel Oyaneder" initials="JPO" lastIdx="2" clrIdx="0"/>
   <p:cmAuthor id="2" name="Brenda Aguilar Bastías" initials="BAB" lastIdx="1" clrIdx="1">
     <p:extLst>
       <p:ext uri="{19B8F6BF-5375-455C-9EA6-DF929625EA0E}">
@@ -663,6 +665,90 @@
     <p:extLst>
       <p:ext uri="{BB962C8B-B14F-4D97-AF65-F5344CB8AC3E}">
         <p14:creationId xmlns:p14="http://schemas.microsoft.com/office/powerpoint/2010/main" val="946217838"/>
+      </p:ext>
+    </p:extLst>
+  </p:cSld>
+  <p:clrMapOvr>
+    <a:masterClrMapping/>
+  </p:clrMapOvr>
+</p:notes>
+</file>
+
+<file path=ppt/notesSlides/notesSlide3.xml><?xml version="1.0" encoding="utf-8"?>
+<p:notes xmlns:a="http://schemas.openxmlformats.org/drawingml/2006/main" xmlns:r="http://schemas.openxmlformats.org/officeDocument/2006/relationships" xmlns:p="http://schemas.openxmlformats.org/presentationml/2006/main">
+  <p:cSld>
+    <p:spTree>
+      <p:nvGrpSpPr>
+        <p:cNvPr id="1" name=""/>
+        <p:cNvGrpSpPr/>
+        <p:nvPr/>
+      </p:nvGrpSpPr>
+      <p:grpSpPr>
+        <a:xfrm>
+          <a:off x="0" y="0"/>
+          <a:ext cx="0" cy="0"/>
+          <a:chOff x="0" y="0"/>
+          <a:chExt cx="0" cy="0"/>
+        </a:xfrm>
+      </p:grpSpPr>
+      <p:sp>
+        <p:nvSpPr>
+          <p:cNvPr id="2" name="Marcador de imagen de diapositiva 1"/>
+          <p:cNvSpPr>
+            <a:spLocks noGrp="1" noRot="1" noChangeAspect="1"/>
+          </p:cNvSpPr>
+          <p:nvPr>
+            <p:ph type="sldImg"/>
+          </p:nvPr>
+        </p:nvSpPr>
+        <p:spPr/>
+      </p:sp>
+      <p:sp>
+        <p:nvSpPr>
+          <p:cNvPr id="3" name="Marcador de notas 2"/>
+          <p:cNvSpPr>
+            <a:spLocks noGrp="1"/>
+          </p:cNvSpPr>
+          <p:nvPr>
+            <p:ph type="body" idx="1"/>
+          </p:nvPr>
+        </p:nvSpPr>
+        <p:spPr/>
+        <p:txBody>
+          <a:bodyPr/>
+          <a:lstStyle/>
+          <a:p>
+            <a:endParaRPr lang="es-CL"/>
+          </a:p>
+        </p:txBody>
+      </p:sp>
+      <p:sp>
+        <p:nvSpPr>
+          <p:cNvPr id="4" name="Marcador de número de diapositiva 3"/>
+          <p:cNvSpPr>
+            <a:spLocks noGrp="1"/>
+          </p:cNvSpPr>
+          <p:nvPr>
+            <p:ph type="sldNum" sz="quarter" idx="10"/>
+          </p:nvPr>
+        </p:nvSpPr>
+        <p:spPr/>
+        <p:txBody>
+          <a:bodyPr/>
+          <a:lstStyle/>
+          <a:p>
+            <a:fld id="{31524595-A612-427C-89B0-BCF49485A725}" type="slidenum">
+              <a:rPr lang="es-CL" smtClean="0"/>
+              <a:t>14</a:t>
+            </a:fld>
+            <a:endParaRPr lang="es-CL"/>
+          </a:p>
+        </p:txBody>
+      </p:sp>
+    </p:spTree>
+    <p:extLst>
+      <p:ext uri="{BB962C8B-B14F-4D97-AF65-F5344CB8AC3E}">
+        <p14:creationId xmlns:p14="http://schemas.microsoft.com/office/powerpoint/2010/main" val="401874404"/>
       </p:ext>
     </p:extLst>
   </p:cSld>
@@ -7092,8 +7178,8 @@
         </p:nvSpPr>
         <p:spPr>
           <a:xfrm>
-            <a:off x="1310259" y="4901650"/>
-            <a:ext cx="4800600" cy="1162036"/>
+            <a:off x="1310258" y="4901650"/>
+            <a:ext cx="6400799" cy="1162036"/>
           </a:xfrm>
           <a:prstGeom prst="rect">
             <a:avLst/>
@@ -7263,7 +7349,7 @@
               <a:rPr lang="es-CL" sz="1600" dirty="0">
                 <a:latin typeface="+mn-lt"/>
               </a:rPr>
-              <a:t>Nombre de asignatura:</a:t>
+              <a:t>Nombre de asignatura: Seguridad y Auditoría Informática</a:t>
             </a:r>
           </a:p>
           <a:p>
@@ -7272,7 +7358,7 @@
               <a:rPr lang="es-CL" sz="1600" dirty="0">
                 <a:latin typeface="+mn-lt"/>
               </a:rPr>
-              <a:t>Nombre integrantes del grupo:</a:t>
+              <a:t>Nombre integrantes del grupo: Felipe Inda – Yerko Fuentes – Ivo Olivares</a:t>
             </a:r>
           </a:p>
           <a:p>
@@ -7281,7 +7367,7 @@
               <a:rPr lang="es-CL" sz="1600" dirty="0">
                 <a:latin typeface="+mn-lt"/>
               </a:rPr>
-              <a:t>Nombre carrera:</a:t>
+              <a:t>Nombre carrera: Ingeniería en Informática</a:t>
             </a:r>
           </a:p>
           <a:p>
@@ -7290,7 +7376,7 @@
               <a:rPr lang="es-CL" sz="1600" dirty="0">
                 <a:latin typeface="+mn-lt"/>
               </a:rPr>
-              <a:t>Fecha exposición:</a:t>
+              <a:t>Fecha exposición: 25-06-2019</a:t>
             </a:r>
           </a:p>
         </p:txBody>
@@ -7327,31 +7413,86 @@
       </p:grpSpPr>
       <p:sp>
         <p:nvSpPr>
-          <p:cNvPr id="6" name="Título 1"/>
-          <p:cNvSpPr>
-            <a:spLocks noGrp="1"/>
-          </p:cNvSpPr>
-          <p:nvPr>
-            <p:ph type="ctrTitle"/>
+          <p:cNvPr id="2" name="Título 1"/>
+          <p:cNvSpPr>
+            <a:spLocks noGrp="1"/>
+          </p:cNvSpPr>
+          <p:nvPr>
+            <p:ph type="title"/>
           </p:nvPr>
         </p:nvSpPr>
         <p:spPr>
           <a:xfrm>
-            <a:off x="2205317" y="1306953"/>
-            <a:ext cx="4733365" cy="1305603"/>
+            <a:off x="259354" y="385487"/>
+            <a:ext cx="5256075" cy="436746"/>
           </a:xfrm>
         </p:spPr>
         <p:txBody>
-          <a:bodyPr/>
+          <a:bodyPr vert="horz" lIns="91440" tIns="45720" rIns="91440" bIns="45720" rtlCol="0" anchor="ctr">
+            <a:noAutofit/>
+          </a:bodyPr>
           <a:lstStyle/>
           <a:p>
             <a:r>
               <a:rPr lang="es-CL" sz="2400" b="1" dirty="0">
-                <a:latin typeface="+mn-lt"/>
+                <a:solidFill>
+                  <a:srgbClr val="E30513"/>
+                </a:solidFill>
               </a:rPr>
-              <a:t>Escriba el nombre de la actividad o tema</a:t>
-            </a:r>
-            <a:endParaRPr lang="es-ES" sz="2400" b="1" dirty="0">
+              <a:t>Riesgos Existentes</a:t>
+            </a:r>
+          </a:p>
+        </p:txBody>
+      </p:sp>
+      <p:sp>
+        <p:nvSpPr>
+          <p:cNvPr id="89" name="Título 1"/>
+          <p:cNvSpPr txBox="1">
+            <a:spLocks/>
+          </p:cNvSpPr>
+          <p:nvPr/>
+        </p:nvSpPr>
+        <p:spPr>
+          <a:xfrm>
+            <a:off x="391887" y="1118507"/>
+            <a:ext cx="8319406" cy="5021036"/>
+          </a:xfrm>
+          <a:prstGeom prst="rect">
+            <a:avLst/>
+          </a:prstGeom>
+        </p:spPr>
+        <p:txBody>
+          <a:bodyPr vert="horz" lIns="91440" tIns="45720" rIns="91440" bIns="45720" rtlCol="0" anchor="t">
+            <a:noAutofit/>
+          </a:bodyPr>
+          <a:lstStyle>
+            <a:lvl1pPr algn="l" defTabSz="457200" rtl="0" eaLnBrk="1" latinLnBrk="0" hangingPunct="1">
+              <a:spcBef>
+                <a:spcPct val="0"/>
+              </a:spcBef>
+              <a:buNone/>
+              <a:defRPr sz="3600" kern="1200">
+                <a:solidFill>
+                  <a:srgbClr val="FF0000"/>
+                </a:solidFill>
+                <a:latin typeface="Myriad Pro"/>
+                <a:ea typeface="+mj-ea"/>
+                <a:cs typeface="Myriad Pro"/>
+              </a:defRPr>
+            </a:lvl1pPr>
+          </a:lstStyle>
+          <a:p>
+            <a:pPr marL="285750" indent="-285750" algn="just">
+              <a:buFont typeface="Arial" panose="020B0604020202020204" pitchFamily="34" charset="0"/>
+              <a:buChar char="•"/>
+            </a:pPr>
+            <a:endParaRPr lang="es-CL" sz="2400" dirty="0">
+              <a:solidFill>
+                <a:schemeClr val="tx1">
+                  <a:lumMod val="75000"/>
+                  <a:lumOff val="25000"/>
+                </a:schemeClr>
+              </a:solidFill>
               <a:latin typeface="+mn-lt"/>
             </a:endParaRPr>
           </a:p>
@@ -7359,18 +7500,658 @@
       </p:sp>
       <p:sp>
         <p:nvSpPr>
-          <p:cNvPr id="7" name="Subtítulo 2"/>
-          <p:cNvSpPr>
-            <a:spLocks noGrp="1"/>
-          </p:cNvSpPr>
-          <p:nvPr>
-            <p:ph type="subTitle" idx="1"/>
-          </p:nvPr>
-        </p:nvSpPr>
+          <p:cNvPr id="3" name="Marcador de número de diapositiva 2"/>
+          <p:cNvSpPr>
+            <a:spLocks noGrp="1"/>
+          </p:cNvSpPr>
+          <p:nvPr>
+            <p:ph type="sldNum" sz="quarter" idx="12"/>
+          </p:nvPr>
+        </p:nvSpPr>
+        <p:spPr/>
+        <p:txBody>
+          <a:bodyPr/>
+          <a:lstStyle/>
+          <a:p>
+            <a:fld id="{C0F9E0D3-51B3-8D47-9FA0-6C6BA96BAD74}" type="slidenum">
+              <a:rPr lang="es-ES" smtClean="0"/>
+              <a:t>10</a:t>
+            </a:fld>
+            <a:endParaRPr lang="es-ES"/>
+          </a:p>
+        </p:txBody>
+      </p:sp>
+      <p:pic>
+        <p:nvPicPr>
+          <p:cNvPr id="7" name="Imagen 6">
+            <a:extLst>
+              <a:ext uri="{FF2B5EF4-FFF2-40B4-BE49-F238E27FC236}">
+                <a16:creationId xmlns:a16="http://schemas.microsoft.com/office/drawing/2014/main" id="{02A6DB4A-1309-44C1-9486-89685B89546C}"/>
+              </a:ext>
+            </a:extLst>
+          </p:cNvPr>
+          <p:cNvPicPr>
+            <a:picLocks noChangeAspect="1"/>
+          </p:cNvPicPr>
+          <p:nvPr/>
+        </p:nvPicPr>
+        <p:blipFill>
+          <a:blip r:embed="rId2"/>
+          <a:stretch>
+            <a:fillRect/>
+          </a:stretch>
+        </p:blipFill>
         <p:spPr>
           <a:xfrm>
-            <a:off x="1755321" y="2947321"/>
-            <a:ext cx="6017079" cy="530679"/>
+            <a:off x="3239209" y="2047461"/>
+            <a:ext cx="5512904" cy="4134678"/>
+          </a:xfrm>
+          <a:prstGeom prst="rect">
+            <a:avLst/>
+          </a:prstGeom>
+        </p:spPr>
+      </p:pic>
+    </p:spTree>
+    <p:extLst>
+      <p:ext uri="{BB962C8B-B14F-4D97-AF65-F5344CB8AC3E}">
+        <p14:creationId xmlns:p14="http://schemas.microsoft.com/office/powerpoint/2010/main" val="1548202910"/>
+      </p:ext>
+    </p:extLst>
+  </p:cSld>
+  <p:clrMapOvr>
+    <a:masterClrMapping/>
+  </p:clrMapOvr>
+</p:sld>
+</file>
+
+<file path=ppt/slides/slide11.xml><?xml version="1.0" encoding="utf-8"?>
+<p:sld xmlns:a="http://schemas.openxmlformats.org/drawingml/2006/main" xmlns:r="http://schemas.openxmlformats.org/officeDocument/2006/relationships" xmlns:p="http://schemas.openxmlformats.org/presentationml/2006/main">
+  <p:cSld>
+    <p:spTree>
+      <p:nvGrpSpPr>
+        <p:cNvPr id="1" name=""/>
+        <p:cNvGrpSpPr/>
+        <p:nvPr/>
+      </p:nvGrpSpPr>
+      <p:grpSpPr>
+        <a:xfrm>
+          <a:off x="0" y="0"/>
+          <a:ext cx="0" cy="0"/>
+          <a:chOff x="0" y="0"/>
+          <a:chExt cx="0" cy="0"/>
+        </a:xfrm>
+      </p:grpSpPr>
+      <p:sp>
+        <p:nvSpPr>
+          <p:cNvPr id="2" name="Título 1"/>
+          <p:cNvSpPr>
+            <a:spLocks noGrp="1"/>
+          </p:cNvSpPr>
+          <p:nvPr>
+            <p:ph type="title"/>
+          </p:nvPr>
+        </p:nvSpPr>
+        <p:spPr>
+          <a:xfrm>
+            <a:off x="259354" y="385487"/>
+            <a:ext cx="5256075" cy="436746"/>
+          </a:xfrm>
+        </p:spPr>
+        <p:txBody>
+          <a:bodyPr vert="horz" lIns="91440" tIns="45720" rIns="91440" bIns="45720" rtlCol="0" anchor="ctr">
+            <a:noAutofit/>
+          </a:bodyPr>
+          <a:lstStyle/>
+          <a:p>
+            <a:r>
+              <a:rPr lang="es-CL" sz="2400" b="1" dirty="0">
+                <a:solidFill>
+                  <a:srgbClr val="E30513"/>
+                </a:solidFill>
+              </a:rPr>
+              <a:t>Principales Evidencias</a:t>
+            </a:r>
+          </a:p>
+        </p:txBody>
+      </p:sp>
+      <p:sp>
+        <p:nvSpPr>
+          <p:cNvPr id="89" name="Título 1"/>
+          <p:cNvSpPr txBox="1">
+            <a:spLocks/>
+          </p:cNvSpPr>
+          <p:nvPr/>
+        </p:nvSpPr>
+        <p:spPr>
+          <a:xfrm>
+            <a:off x="391887" y="1118507"/>
+            <a:ext cx="8319406" cy="5021036"/>
+          </a:xfrm>
+          <a:prstGeom prst="rect">
+            <a:avLst/>
+          </a:prstGeom>
+        </p:spPr>
+        <p:txBody>
+          <a:bodyPr vert="horz" lIns="91440" tIns="45720" rIns="91440" bIns="45720" rtlCol="0" anchor="t">
+            <a:noAutofit/>
+          </a:bodyPr>
+          <a:lstStyle>
+            <a:lvl1pPr algn="l" defTabSz="457200" rtl="0" eaLnBrk="1" latinLnBrk="0" hangingPunct="1">
+              <a:spcBef>
+                <a:spcPct val="0"/>
+              </a:spcBef>
+              <a:buNone/>
+              <a:defRPr sz="3600" kern="1200">
+                <a:solidFill>
+                  <a:srgbClr val="FF0000"/>
+                </a:solidFill>
+                <a:latin typeface="Myriad Pro"/>
+                <a:ea typeface="+mj-ea"/>
+                <a:cs typeface="Myriad Pro"/>
+              </a:defRPr>
+            </a:lvl1pPr>
+          </a:lstStyle>
+          <a:p>
+            <a:pPr marL="285750" indent="-285750" algn="just">
+              <a:buFont typeface="Arial" panose="020B0604020202020204" pitchFamily="34" charset="0"/>
+              <a:buChar char="•"/>
+            </a:pPr>
+            <a:endParaRPr lang="es-CL" sz="2400" dirty="0">
+              <a:solidFill>
+                <a:schemeClr val="tx1">
+                  <a:lumMod val="75000"/>
+                  <a:lumOff val="25000"/>
+                </a:schemeClr>
+              </a:solidFill>
+              <a:latin typeface="+mn-lt"/>
+            </a:endParaRPr>
+          </a:p>
+        </p:txBody>
+      </p:sp>
+      <p:sp>
+        <p:nvSpPr>
+          <p:cNvPr id="3" name="Marcador de número de diapositiva 2"/>
+          <p:cNvSpPr>
+            <a:spLocks noGrp="1"/>
+          </p:cNvSpPr>
+          <p:nvPr>
+            <p:ph type="sldNum" sz="quarter" idx="12"/>
+          </p:nvPr>
+        </p:nvSpPr>
+        <p:spPr/>
+        <p:txBody>
+          <a:bodyPr/>
+          <a:lstStyle/>
+          <a:p>
+            <a:fld id="{C0F9E0D3-51B3-8D47-9FA0-6C6BA96BAD74}" type="slidenum">
+              <a:rPr lang="es-ES" smtClean="0"/>
+              <a:t>11</a:t>
+            </a:fld>
+            <a:endParaRPr lang="es-ES"/>
+          </a:p>
+        </p:txBody>
+      </p:sp>
+      <p:pic>
+        <p:nvPicPr>
+          <p:cNvPr id="5" name="Imagen 4">
+            <a:extLst>
+              <a:ext uri="{FF2B5EF4-FFF2-40B4-BE49-F238E27FC236}">
+                <a16:creationId xmlns:a16="http://schemas.microsoft.com/office/drawing/2014/main" id="{59BC6C94-986E-4214-BC7B-97CD424C39C5}"/>
+              </a:ext>
+            </a:extLst>
+          </p:cNvPr>
+          <p:cNvPicPr>
+            <a:picLocks noChangeAspect="1"/>
+          </p:cNvPicPr>
+          <p:nvPr/>
+        </p:nvPicPr>
+        <p:blipFill rotWithShape="1">
+          <a:blip r:embed="rId2"/>
+          <a:srcRect l="9019" t="5389" r="5000" b="5389"/>
+          <a:stretch/>
+        </p:blipFill>
+        <p:spPr>
+          <a:xfrm>
+            <a:off x="824594" y="1118507"/>
+            <a:ext cx="7862206" cy="4620986"/>
+          </a:xfrm>
+          <a:prstGeom prst="rect">
+            <a:avLst/>
+          </a:prstGeom>
+        </p:spPr>
+      </p:pic>
+    </p:spTree>
+    <p:extLst>
+      <p:ext uri="{BB962C8B-B14F-4D97-AF65-F5344CB8AC3E}">
+        <p14:creationId xmlns:p14="http://schemas.microsoft.com/office/powerpoint/2010/main" val="946624009"/>
+      </p:ext>
+    </p:extLst>
+  </p:cSld>
+  <p:clrMapOvr>
+    <a:masterClrMapping/>
+  </p:clrMapOvr>
+</p:sld>
+</file>
+
+<file path=ppt/slides/slide12.xml><?xml version="1.0" encoding="utf-8"?>
+<p:sld xmlns:a="http://schemas.openxmlformats.org/drawingml/2006/main" xmlns:r="http://schemas.openxmlformats.org/officeDocument/2006/relationships" xmlns:p="http://schemas.openxmlformats.org/presentationml/2006/main">
+  <p:cSld>
+    <p:spTree>
+      <p:nvGrpSpPr>
+        <p:cNvPr id="1" name=""/>
+        <p:cNvGrpSpPr/>
+        <p:nvPr/>
+      </p:nvGrpSpPr>
+      <p:grpSpPr>
+        <a:xfrm>
+          <a:off x="0" y="0"/>
+          <a:ext cx="0" cy="0"/>
+          <a:chOff x="0" y="0"/>
+          <a:chExt cx="0" cy="0"/>
+        </a:xfrm>
+      </p:grpSpPr>
+      <p:sp>
+        <p:nvSpPr>
+          <p:cNvPr id="2" name="Título 1"/>
+          <p:cNvSpPr>
+            <a:spLocks noGrp="1"/>
+          </p:cNvSpPr>
+          <p:nvPr>
+            <p:ph type="title"/>
+          </p:nvPr>
+        </p:nvSpPr>
+        <p:spPr>
+          <a:xfrm>
+            <a:off x="259354" y="385487"/>
+            <a:ext cx="5256075" cy="436746"/>
+          </a:xfrm>
+        </p:spPr>
+        <p:txBody>
+          <a:bodyPr vert="horz" lIns="91440" tIns="45720" rIns="91440" bIns="45720" rtlCol="0" anchor="ctr">
+            <a:noAutofit/>
+          </a:bodyPr>
+          <a:lstStyle/>
+          <a:p>
+            <a:r>
+              <a:rPr lang="es-CL" sz="2400" b="1" dirty="0">
+                <a:solidFill>
+                  <a:srgbClr val="E30513"/>
+                </a:solidFill>
+              </a:rPr>
+              <a:t>Opinión y Recomendación</a:t>
+            </a:r>
+          </a:p>
+        </p:txBody>
+      </p:sp>
+      <p:sp>
+        <p:nvSpPr>
+          <p:cNvPr id="89" name="Título 1"/>
+          <p:cNvSpPr txBox="1">
+            <a:spLocks/>
+          </p:cNvSpPr>
+          <p:nvPr/>
+        </p:nvSpPr>
+        <p:spPr>
+          <a:xfrm>
+            <a:off x="391887" y="1118507"/>
+            <a:ext cx="8319406" cy="5021036"/>
+          </a:xfrm>
+          <a:prstGeom prst="rect">
+            <a:avLst/>
+          </a:prstGeom>
+        </p:spPr>
+        <p:txBody>
+          <a:bodyPr vert="horz" lIns="91440" tIns="45720" rIns="91440" bIns="45720" rtlCol="0" anchor="t">
+            <a:noAutofit/>
+          </a:bodyPr>
+          <a:lstStyle>
+            <a:lvl1pPr algn="l" defTabSz="457200" rtl="0" eaLnBrk="1" latinLnBrk="0" hangingPunct="1">
+              <a:spcBef>
+                <a:spcPct val="0"/>
+              </a:spcBef>
+              <a:buNone/>
+              <a:defRPr sz="3600" kern="1200">
+                <a:solidFill>
+                  <a:srgbClr val="FF0000"/>
+                </a:solidFill>
+                <a:latin typeface="Myriad Pro"/>
+                <a:ea typeface="+mj-ea"/>
+                <a:cs typeface="Myriad Pro"/>
+              </a:defRPr>
+            </a:lvl1pPr>
+          </a:lstStyle>
+          <a:p>
+            <a:pPr marL="285750" indent="-285750" algn="just">
+              <a:buFont typeface="Arial" panose="020B0604020202020204" pitchFamily="34" charset="0"/>
+              <a:buChar char="•"/>
+            </a:pPr>
+            <a:endParaRPr lang="es-CL" sz="2400" dirty="0">
+              <a:solidFill>
+                <a:schemeClr val="tx1">
+                  <a:lumMod val="75000"/>
+                  <a:lumOff val="25000"/>
+                </a:schemeClr>
+              </a:solidFill>
+              <a:latin typeface="+mn-lt"/>
+            </a:endParaRPr>
+          </a:p>
+        </p:txBody>
+      </p:sp>
+      <p:sp>
+        <p:nvSpPr>
+          <p:cNvPr id="3" name="Marcador de número de diapositiva 2"/>
+          <p:cNvSpPr>
+            <a:spLocks noGrp="1"/>
+          </p:cNvSpPr>
+          <p:nvPr>
+            <p:ph type="sldNum" sz="quarter" idx="12"/>
+          </p:nvPr>
+        </p:nvSpPr>
+        <p:spPr/>
+        <p:txBody>
+          <a:bodyPr/>
+          <a:lstStyle/>
+          <a:p>
+            <a:fld id="{C0F9E0D3-51B3-8D47-9FA0-6C6BA96BAD74}" type="slidenum">
+              <a:rPr lang="es-ES" smtClean="0"/>
+              <a:t>12</a:t>
+            </a:fld>
+            <a:endParaRPr lang="es-ES"/>
+          </a:p>
+        </p:txBody>
+      </p:sp>
+      <p:pic>
+        <p:nvPicPr>
+          <p:cNvPr id="6" name="Imagen 5" descr="Imagen que contiene gráficos vectoriales&#10;&#10;Descripción generada automáticamente">
+            <a:extLst>
+              <a:ext uri="{FF2B5EF4-FFF2-40B4-BE49-F238E27FC236}">
+                <a16:creationId xmlns:a16="http://schemas.microsoft.com/office/drawing/2014/main" id="{A898106D-4A73-4AA6-8E81-7F1FBD1D65AD}"/>
+              </a:ext>
+            </a:extLst>
+          </p:cNvPr>
+          <p:cNvPicPr>
+            <a:picLocks noChangeAspect="1"/>
+          </p:cNvPicPr>
+          <p:nvPr/>
+        </p:nvPicPr>
+        <p:blipFill>
+          <a:blip r:embed="rId2"/>
+          <a:stretch>
+            <a:fillRect/>
+          </a:stretch>
+        </p:blipFill>
+        <p:spPr>
+          <a:xfrm>
+            <a:off x="259354" y="1851091"/>
+            <a:ext cx="7055954" cy="4288452"/>
+          </a:xfrm>
+          <a:prstGeom prst="rect">
+            <a:avLst/>
+          </a:prstGeom>
+        </p:spPr>
+      </p:pic>
+    </p:spTree>
+    <p:extLst>
+      <p:ext uri="{BB962C8B-B14F-4D97-AF65-F5344CB8AC3E}">
+        <p14:creationId xmlns:p14="http://schemas.microsoft.com/office/powerpoint/2010/main" val="3821875452"/>
+      </p:ext>
+    </p:extLst>
+  </p:cSld>
+  <p:clrMapOvr>
+    <a:masterClrMapping/>
+  </p:clrMapOvr>
+</p:sld>
+</file>
+
+<file path=ppt/slides/slide13.xml><?xml version="1.0" encoding="utf-8"?>
+<p:sld xmlns:a="http://schemas.openxmlformats.org/drawingml/2006/main" xmlns:r="http://schemas.openxmlformats.org/officeDocument/2006/relationships" xmlns:p="http://schemas.openxmlformats.org/presentationml/2006/main">
+  <p:cSld>
+    <p:spTree>
+      <p:nvGrpSpPr>
+        <p:cNvPr id="1" name=""/>
+        <p:cNvGrpSpPr/>
+        <p:nvPr/>
+      </p:nvGrpSpPr>
+      <p:grpSpPr>
+        <a:xfrm>
+          <a:off x="0" y="0"/>
+          <a:ext cx="0" cy="0"/>
+          <a:chOff x="0" y="0"/>
+          <a:chExt cx="0" cy="0"/>
+        </a:xfrm>
+      </p:grpSpPr>
+      <p:sp>
+        <p:nvSpPr>
+          <p:cNvPr id="2" name="Título 1"/>
+          <p:cNvSpPr>
+            <a:spLocks noGrp="1"/>
+          </p:cNvSpPr>
+          <p:nvPr>
+            <p:ph type="title"/>
+          </p:nvPr>
+        </p:nvSpPr>
+        <p:spPr>
+          <a:xfrm>
+            <a:off x="5381625" y="2631787"/>
+            <a:ext cx="3721555" cy="797213"/>
+          </a:xfrm>
+        </p:spPr>
+        <p:txBody>
+          <a:bodyPr vert="horz" lIns="91440" tIns="45720" rIns="91440" bIns="45720" rtlCol="0" anchor="ctr">
+            <a:noAutofit/>
+          </a:bodyPr>
+          <a:lstStyle/>
+          <a:p>
+            <a:r>
+              <a:rPr lang="es-CL" sz="2400" b="1" dirty="0">
+                <a:solidFill>
+                  <a:srgbClr val="E30513"/>
+                </a:solidFill>
+              </a:rPr>
+              <a:t>Reunión de Cierre</a:t>
+            </a:r>
+          </a:p>
+        </p:txBody>
+      </p:sp>
+      <p:sp>
+        <p:nvSpPr>
+          <p:cNvPr id="89" name="Título 1"/>
+          <p:cNvSpPr txBox="1">
+            <a:spLocks/>
+          </p:cNvSpPr>
+          <p:nvPr/>
+        </p:nvSpPr>
+        <p:spPr>
+          <a:xfrm>
+            <a:off x="391887" y="1118507"/>
+            <a:ext cx="8319406" cy="5021036"/>
+          </a:xfrm>
+          <a:prstGeom prst="rect">
+            <a:avLst/>
+          </a:prstGeom>
+        </p:spPr>
+        <p:txBody>
+          <a:bodyPr vert="horz" lIns="91440" tIns="45720" rIns="91440" bIns="45720" rtlCol="0" anchor="t">
+            <a:noAutofit/>
+          </a:bodyPr>
+          <a:lstStyle>
+            <a:lvl1pPr algn="l" defTabSz="457200" rtl="0" eaLnBrk="1" latinLnBrk="0" hangingPunct="1">
+              <a:spcBef>
+                <a:spcPct val="0"/>
+              </a:spcBef>
+              <a:buNone/>
+              <a:defRPr sz="3600" kern="1200">
+                <a:solidFill>
+                  <a:srgbClr val="FF0000"/>
+                </a:solidFill>
+                <a:latin typeface="Myriad Pro"/>
+                <a:ea typeface="+mj-ea"/>
+                <a:cs typeface="Myriad Pro"/>
+              </a:defRPr>
+            </a:lvl1pPr>
+          </a:lstStyle>
+          <a:p>
+            <a:pPr marL="285750" indent="-285750" algn="just">
+              <a:buFont typeface="Arial" panose="020B0604020202020204" pitchFamily="34" charset="0"/>
+              <a:buChar char="•"/>
+            </a:pPr>
+            <a:endParaRPr lang="es-CL" sz="2400" dirty="0">
+              <a:solidFill>
+                <a:schemeClr val="tx1">
+                  <a:lumMod val="75000"/>
+                  <a:lumOff val="25000"/>
+                </a:schemeClr>
+              </a:solidFill>
+              <a:latin typeface="+mn-lt"/>
+            </a:endParaRPr>
+          </a:p>
+        </p:txBody>
+      </p:sp>
+      <p:sp>
+        <p:nvSpPr>
+          <p:cNvPr id="3" name="Marcador de número de diapositiva 2"/>
+          <p:cNvSpPr>
+            <a:spLocks noGrp="1"/>
+          </p:cNvSpPr>
+          <p:nvPr>
+            <p:ph type="sldNum" sz="quarter" idx="12"/>
+          </p:nvPr>
+        </p:nvSpPr>
+        <p:spPr/>
+        <p:txBody>
+          <a:bodyPr/>
+          <a:lstStyle/>
+          <a:p>
+            <a:fld id="{C0F9E0D3-51B3-8D47-9FA0-6C6BA96BAD74}" type="slidenum">
+              <a:rPr lang="es-ES" smtClean="0"/>
+              <a:t>13</a:t>
+            </a:fld>
+            <a:endParaRPr lang="es-ES"/>
+          </a:p>
+        </p:txBody>
+      </p:sp>
+      <p:pic>
+        <p:nvPicPr>
+          <p:cNvPr id="2050" name="Picture 2" descr="Resultado de imagen para reunión de cierre">
+            <a:extLst>
+              <a:ext uri="{FF2B5EF4-FFF2-40B4-BE49-F238E27FC236}">
+                <a16:creationId xmlns:a16="http://schemas.microsoft.com/office/drawing/2014/main" id="{F31C6D74-25F3-49FB-982A-6EC4E72E00CB}"/>
+              </a:ext>
+            </a:extLst>
+          </p:cNvPr>
+          <p:cNvPicPr>
+            <a:picLocks noChangeAspect="1" noChangeArrowheads="1"/>
+          </p:cNvPicPr>
+          <p:nvPr/>
+        </p:nvPicPr>
+        <p:blipFill rotWithShape="1">
+          <a:blip r:embed="rId2">
+            <a:extLst>
+              <a:ext uri="{28A0092B-C50C-407E-A947-70E740481C1C}">
+                <a14:useLocalDpi xmlns:a14="http://schemas.microsoft.com/office/drawing/2010/main" val="0"/>
+              </a:ext>
+            </a:extLst>
+          </a:blip>
+          <a:srcRect b="19159"/>
+          <a:stretch/>
+        </p:blipFill>
+        <p:spPr bwMode="auto">
+          <a:xfrm>
+            <a:off x="0" y="1867108"/>
+            <a:ext cx="5381625" cy="2718145"/>
+          </a:xfrm>
+          <a:prstGeom prst="rect">
+            <a:avLst/>
+          </a:prstGeom>
+          <a:noFill/>
+          <a:extLst>
+            <a:ext uri="{909E8E84-426E-40DD-AFC4-6F175D3DCCD1}">
+              <a14:hiddenFill xmlns:a14="http://schemas.microsoft.com/office/drawing/2010/main">
+                <a:solidFill>
+                  <a:srgbClr val="FFFFFF"/>
+                </a:solidFill>
+              </a14:hiddenFill>
+            </a:ext>
+          </a:extLst>
+        </p:spPr>
+      </p:pic>
+    </p:spTree>
+    <p:extLst>
+      <p:ext uri="{BB962C8B-B14F-4D97-AF65-F5344CB8AC3E}">
+        <p14:creationId xmlns:p14="http://schemas.microsoft.com/office/powerpoint/2010/main" val="3121029234"/>
+      </p:ext>
+    </p:extLst>
+  </p:cSld>
+  <p:clrMapOvr>
+    <a:masterClrMapping/>
+  </p:clrMapOvr>
+</p:sld>
+</file>
+
+<file path=ppt/slides/slide14.xml><?xml version="1.0" encoding="utf-8"?>
+<p:sld xmlns:a="http://schemas.openxmlformats.org/drawingml/2006/main" xmlns:r="http://schemas.openxmlformats.org/officeDocument/2006/relationships" xmlns:p="http://schemas.openxmlformats.org/presentationml/2006/main">
+  <p:cSld>
+    <p:spTree>
+      <p:nvGrpSpPr>
+        <p:cNvPr id="1" name=""/>
+        <p:cNvGrpSpPr/>
+        <p:nvPr/>
+      </p:nvGrpSpPr>
+      <p:grpSpPr>
+        <a:xfrm>
+          <a:off x="0" y="0"/>
+          <a:ext cx="0" cy="0"/>
+          <a:chOff x="0" y="0"/>
+          <a:chExt cx="0" cy="0"/>
+        </a:xfrm>
+      </p:grpSpPr>
+      <p:sp>
+        <p:nvSpPr>
+          <p:cNvPr id="2" name="Título 1"/>
+          <p:cNvSpPr>
+            <a:spLocks noGrp="1"/>
+          </p:cNvSpPr>
+          <p:nvPr>
+            <p:ph type="ctrTitle"/>
+          </p:nvPr>
+        </p:nvSpPr>
+        <p:spPr>
+          <a:xfrm>
+            <a:off x="1196788" y="1268567"/>
+            <a:ext cx="6575612" cy="2209433"/>
+          </a:xfrm>
+        </p:spPr>
+        <p:txBody>
+          <a:bodyPr/>
+          <a:lstStyle/>
+          <a:p>
+            <a:r>
+              <a:rPr lang="es-CL" b="1" dirty="0"/>
+              <a:t>Auditoria y seguridad informática</a:t>
+            </a:r>
+            <a:br>
+              <a:rPr lang="es-ES" b="1" dirty="0"/>
+            </a:br>
+            <a:endParaRPr lang="es-ES" sz="3200" b="1" dirty="0">
+              <a:latin typeface="+mn-lt"/>
+            </a:endParaRPr>
+          </a:p>
+        </p:txBody>
+      </p:sp>
+      <p:sp>
+        <p:nvSpPr>
+          <p:cNvPr id="3" name="Subtítulo 2"/>
+          <p:cNvSpPr>
+            <a:spLocks noGrp="1"/>
+          </p:cNvSpPr>
+          <p:nvPr>
+            <p:ph type="subTitle" idx="1"/>
+          </p:nvPr>
+        </p:nvSpPr>
+        <p:spPr>
+          <a:xfrm>
+            <a:off x="1371600" y="3478000"/>
+            <a:ext cx="6400800" cy="530679"/>
           </a:xfrm>
         </p:spPr>
         <p:txBody>
@@ -7380,17 +8161,18 @@
           <a:lstStyle/>
           <a:p>
             <a:r>
-              <a:rPr lang="es-CL" sz="1800" b="1" dirty="0">
-                <a:latin typeface="+mn-lt"/>
-              </a:rPr>
-              <a:t>Unidad de aprendizaje X: indicar el nombre de la unidad</a:t>
-            </a:r>
-          </a:p>
-        </p:txBody>
-      </p:sp>
-      <p:sp>
-        <p:nvSpPr>
-          <p:cNvPr id="8" name="Subtítulo 2"/>
+              <a:rPr lang="es-CL" sz="1800" dirty="0"/>
+              <a:t>Gremio de anticuarios barrio Italia</a:t>
+            </a:r>
+            <a:endParaRPr lang="es-CL" sz="1800" b="1" dirty="0">
+              <a:latin typeface="+mn-lt"/>
+            </a:endParaRPr>
+          </a:p>
+        </p:txBody>
+      </p:sp>
+      <p:sp>
+        <p:nvSpPr>
+          <p:cNvPr id="4" name="Subtítulo 2"/>
           <p:cNvSpPr txBox="1">
             <a:spLocks/>
           </p:cNvSpPr>
@@ -7398,8 +8180,8 @@
         </p:nvSpPr>
         <p:spPr>
           <a:xfrm>
-            <a:off x="1862897" y="4795045"/>
-            <a:ext cx="4800600" cy="1162036"/>
+            <a:off x="1310258" y="4901650"/>
+            <a:ext cx="6400799" cy="1162036"/>
           </a:xfrm>
           <a:prstGeom prst="rect">
             <a:avLst/>
@@ -7566,37 +8348,37 @@
           <a:p>
             <a:pPr algn="l"/>
             <a:r>
-              <a:rPr lang="es-CL" sz="1200" dirty="0">
+              <a:rPr lang="es-CL" sz="1600" dirty="0">
                 <a:latin typeface="+mn-lt"/>
               </a:rPr>
-              <a:t>Nombre de asignatura:</a:t>
+              <a:t>Nombre de asignatura: Seguridad y Auditoría Informática</a:t>
             </a:r>
           </a:p>
           <a:p>
             <a:pPr algn="l"/>
             <a:r>
-              <a:rPr lang="es-CL" sz="1200" dirty="0">
+              <a:rPr lang="es-CL" sz="1600" dirty="0">
                 <a:latin typeface="+mn-lt"/>
               </a:rPr>
-              <a:t>Nombre integrantes del grupo:</a:t>
+              <a:t>Nombre integrantes del grupo: Felipe Inda – Yerko Fuentes – Ivo Olivares</a:t>
             </a:r>
           </a:p>
           <a:p>
             <a:pPr algn="l"/>
             <a:r>
-              <a:rPr lang="es-CL" sz="1200" dirty="0">
+              <a:rPr lang="es-CL" sz="1600" dirty="0">
                 <a:latin typeface="+mn-lt"/>
               </a:rPr>
-              <a:t>Nombre carrera:</a:t>
+              <a:t>Nombre carrera: Ingeniería en Informática</a:t>
             </a:r>
           </a:p>
           <a:p>
             <a:pPr algn="l"/>
             <a:r>
-              <a:rPr lang="es-CL" sz="1200" dirty="0">
+              <a:rPr lang="es-CL" sz="1600" dirty="0">
                 <a:latin typeface="+mn-lt"/>
               </a:rPr>
-              <a:t>Fecha exposición:</a:t>
+              <a:t>Fecha exposición: 25-06-2019</a:t>
             </a:r>
           </a:p>
         </p:txBody>
@@ -7604,7 +8386,7 @@
     </p:spTree>
     <p:extLst>
       <p:ext uri="{BB962C8B-B14F-4D97-AF65-F5344CB8AC3E}">
-        <p14:creationId xmlns:p14="http://schemas.microsoft.com/office/powerpoint/2010/main" val="2560435649"/>
+        <p14:creationId xmlns:p14="http://schemas.microsoft.com/office/powerpoint/2010/main" val="1313465687"/>
       </p:ext>
     </p:extLst>
   </p:cSld>
@@ -7798,8 +8580,8 @@
         </p:nvSpPr>
         <p:spPr>
           <a:xfrm>
-            <a:off x="746489" y="1633629"/>
-            <a:ext cx="4296158" cy="2342044"/>
+            <a:off x="746488" y="822233"/>
+            <a:ext cx="6648225" cy="5470617"/>
           </a:xfrm>
           <a:prstGeom prst="rect">
             <a:avLst/>
@@ -7840,8 +8622,77 @@
                 </a:solidFill>
                 <a:latin typeface="+mn-lt"/>
               </a:rPr>
-              <a:t>Tema 1</a:t>
-            </a:r>
+              <a:t>Capítulo 1</a:t>
+            </a:r>
+          </a:p>
+          <a:p>
+            <a:pPr marL="971550" lvl="1" indent="-514350">
+              <a:buFont typeface="Arial" panose="020B0604020202020204" pitchFamily="34" charset="0"/>
+              <a:buChar char="•"/>
+            </a:pPr>
+            <a:r>
+              <a:rPr lang="es-CL" sz="2000" dirty="0">
+                <a:solidFill>
+                  <a:schemeClr val="tx1">
+                    <a:lumMod val="75000"/>
+                    <a:lumOff val="25000"/>
+                  </a:schemeClr>
+                </a:solidFill>
+              </a:rPr>
+              <a:t>Descripción de la empresa</a:t>
+            </a:r>
+            <a:endParaRPr lang="es-CL" sz="2000" dirty="0">
+              <a:solidFill>
+                <a:schemeClr val="tx1">
+                  <a:lumMod val="75000"/>
+                  <a:lumOff val="25000"/>
+                </a:schemeClr>
+              </a:solidFill>
+              <a:latin typeface="+mn-lt"/>
+            </a:endParaRPr>
+          </a:p>
+          <a:p>
+            <a:pPr marL="971550" lvl="1" indent="-514350">
+              <a:buFont typeface="Arial" panose="020B0604020202020204" pitchFamily="34" charset="0"/>
+              <a:buChar char="•"/>
+            </a:pPr>
+            <a:r>
+              <a:rPr lang="es-CL" sz="2000" dirty="0">
+                <a:solidFill>
+                  <a:schemeClr val="tx1">
+                    <a:lumMod val="75000"/>
+                    <a:lumOff val="25000"/>
+                  </a:schemeClr>
+                </a:solidFill>
+              </a:rPr>
+              <a:t>Área de la Auditoría</a:t>
+            </a:r>
+          </a:p>
+          <a:p>
+            <a:pPr marL="971550" lvl="1" indent="-514350">
+              <a:buFont typeface="Arial" panose="020B0604020202020204" pitchFamily="34" charset="0"/>
+              <a:buChar char="•"/>
+            </a:pPr>
+            <a:r>
+              <a:rPr lang="es-CL" sz="2000" dirty="0">
+                <a:solidFill>
+                  <a:schemeClr val="tx1">
+                    <a:lumMod val="75000"/>
+                    <a:lumOff val="25000"/>
+                  </a:schemeClr>
+                </a:solidFill>
+              </a:rPr>
+              <a:t>Carta Gantt</a:t>
+            </a:r>
+            <a:endParaRPr lang="es-CL" sz="2000" dirty="0">
+              <a:solidFill>
+                <a:schemeClr val="tx1">
+                  <a:lumMod val="75000"/>
+                  <a:lumOff val="25000"/>
+                </a:schemeClr>
+              </a:solidFill>
+              <a:latin typeface="+mn-lt"/>
+            </a:endParaRPr>
           </a:p>
           <a:p>
             <a:pPr marL="514350" indent="-514350">
@@ -7858,11 +8709,11 @@
                 </a:solidFill>
                 <a:latin typeface="+mn-lt"/>
               </a:rPr>
-              <a:t>Tema 2</a:t>
-            </a:r>
-          </a:p>
-          <a:p>
-            <a:pPr marL="901700" lvl="1" indent="-350838">
+              <a:t>Capítulo 2</a:t>
+            </a:r>
+          </a:p>
+          <a:p>
+            <a:pPr marL="971550" lvl="1" indent="-514350">
               <a:buFont typeface="Arial" panose="020B0604020202020204" pitchFamily="34" charset="0"/>
               <a:buChar char="•"/>
             </a:pPr>
@@ -7875,11 +8726,20 @@
                   </a:schemeClr>
                 </a:solidFill>
               </a:rPr>
-              <a:t>Subtema 1</a:t>
-            </a:r>
-          </a:p>
-          <a:p>
-            <a:pPr marL="901700" lvl="1" indent="-350838">
+              <a:t>Lista de Interesados</a:t>
+            </a:r>
+            <a:endParaRPr lang="es-CL" sz="2000" dirty="0">
+              <a:solidFill>
+                <a:schemeClr val="tx1">
+                  <a:lumMod val="75000"/>
+                  <a:lumOff val="25000"/>
+                </a:schemeClr>
+              </a:solidFill>
+              <a:latin typeface="+mn-lt"/>
+            </a:endParaRPr>
+          </a:p>
+          <a:p>
+            <a:pPr marL="971550" lvl="1" indent="-514350">
               <a:buFont typeface="Arial" panose="020B0604020202020204" pitchFamily="34" charset="0"/>
               <a:buChar char="•"/>
             </a:pPr>
@@ -7892,8 +8752,78 @@
                   </a:schemeClr>
                 </a:solidFill>
               </a:rPr>
-              <a:t>Subtema 2</a:t>
-            </a:r>
+              <a:t>Normas, Políticas, Documentación Existente</a:t>
+            </a:r>
+            <a:endParaRPr lang="es-CL" sz="2000" dirty="0">
+              <a:solidFill>
+                <a:schemeClr val="tx1">
+                  <a:lumMod val="75000"/>
+                  <a:lumOff val="25000"/>
+                </a:schemeClr>
+              </a:solidFill>
+              <a:latin typeface="+mn-lt"/>
+            </a:endParaRPr>
+          </a:p>
+          <a:p>
+            <a:pPr marL="971550" lvl="1" indent="-514350">
+              <a:buFont typeface="Arial" panose="020B0604020202020204" pitchFamily="34" charset="0"/>
+              <a:buChar char="•"/>
+            </a:pPr>
+            <a:r>
+              <a:rPr lang="es-CL" sz="2000" dirty="0">
+                <a:solidFill>
+                  <a:schemeClr val="tx1">
+                    <a:lumMod val="75000"/>
+                    <a:lumOff val="25000"/>
+                  </a:schemeClr>
+                </a:solidFill>
+              </a:rPr>
+              <a:t>Controles Existentes</a:t>
+            </a:r>
+          </a:p>
+          <a:p>
+            <a:pPr marL="971550" lvl="1" indent="-514350">
+              <a:buFont typeface="Arial" panose="020B0604020202020204" pitchFamily="34" charset="0"/>
+              <a:buChar char="•"/>
+            </a:pPr>
+            <a:r>
+              <a:rPr lang="es-CL" sz="2000" dirty="0">
+                <a:solidFill>
+                  <a:schemeClr val="tx1">
+                    <a:lumMod val="75000"/>
+                    <a:lumOff val="25000"/>
+                  </a:schemeClr>
+                </a:solidFill>
+                <a:latin typeface="+mn-lt"/>
+              </a:rPr>
+              <a:t>Evaluación de Controles</a:t>
+            </a:r>
+          </a:p>
+          <a:p>
+            <a:pPr marL="971550" lvl="1" indent="-514350">
+              <a:buFont typeface="Arial" panose="020B0604020202020204" pitchFamily="34" charset="0"/>
+              <a:buChar char="•"/>
+            </a:pPr>
+            <a:r>
+              <a:rPr lang="es-CL" sz="2000" dirty="0">
+                <a:solidFill>
+                  <a:schemeClr val="tx1">
+                    <a:lumMod val="75000"/>
+                    <a:lumOff val="25000"/>
+                  </a:schemeClr>
+                </a:solidFill>
+              </a:rPr>
+              <a:t>Riesgos Existentes</a:t>
+            </a:r>
+            <a:endParaRPr lang="es-CL" sz="2000" dirty="0">
+              <a:solidFill>
+                <a:schemeClr val="tx1">
+                  <a:lumMod val="75000"/>
+                  <a:lumOff val="25000"/>
+                </a:schemeClr>
+              </a:solidFill>
+              <a:latin typeface="+mn-lt"/>
+            </a:endParaRPr>
           </a:p>
           <a:p>
             <a:pPr marL="514350" indent="-514350">
@@ -7910,16 +8840,48 @@
                 </a:solidFill>
                 <a:latin typeface="+mn-lt"/>
               </a:rPr>
-              <a:t>Tema 3</a:t>
-            </a:r>
-          </a:p>
-          <a:p>
-            <a:pPr marL="514350" indent="-514350">
+              <a:t>Capítulo 3</a:t>
+            </a:r>
+          </a:p>
+          <a:p>
+            <a:pPr marL="971550" lvl="1" indent="-514350">
               <a:buFont typeface="Arial" panose="020B0604020202020204" pitchFamily="34" charset="0"/>
               <a:buChar char="•"/>
             </a:pPr>
-            <a:r>
-              <a:rPr lang="es-CL" sz="2400" dirty="0">
+            <a:endParaRPr lang="es-CL" sz="200" dirty="0">
+              <a:solidFill>
+                <a:schemeClr val="tx1">
+                  <a:lumMod val="75000"/>
+                  <a:lumOff val="25000"/>
+                </a:schemeClr>
+              </a:solidFill>
+              <a:latin typeface="+mn-lt"/>
+            </a:endParaRPr>
+          </a:p>
+          <a:p>
+            <a:pPr marL="971550" lvl="1" indent="-514350">
+              <a:buFont typeface="Arial" panose="020B0604020202020204" pitchFamily="34" charset="0"/>
+              <a:buChar char="•"/>
+            </a:pPr>
+            <a:r>
+              <a:rPr lang="es-CL" sz="2000" dirty="0">
+                <a:solidFill>
+                  <a:schemeClr val="tx1">
+                    <a:lumMod val="75000"/>
+                    <a:lumOff val="25000"/>
+                  </a:schemeClr>
+                </a:solidFill>
+              </a:rPr>
+              <a:t>Principales Evidencias</a:t>
+            </a:r>
+          </a:p>
+          <a:p>
+            <a:pPr marL="971550" lvl="1" indent="-514350">
+              <a:buFont typeface="Arial" panose="020B0604020202020204" pitchFamily="34" charset="0"/>
+              <a:buChar char="•"/>
+            </a:pPr>
+            <a:r>
+              <a:rPr lang="es-CL" sz="2000" dirty="0">
                 <a:solidFill>
                   <a:schemeClr val="tx1">
                     <a:lumMod val="75000"/>
@@ -7928,7 +8890,42 @@
                 </a:solidFill>
                 <a:latin typeface="+mn-lt"/>
               </a:rPr>
-              <a:t>Tema 4</a:t>
+              <a:t>Opinión</a:t>
+            </a:r>
+          </a:p>
+          <a:p>
+            <a:pPr marL="971550" lvl="1" indent="-514350">
+              <a:buFont typeface="Arial" panose="020B0604020202020204" pitchFamily="34" charset="0"/>
+              <a:buChar char="•"/>
+            </a:pPr>
+            <a:r>
+              <a:rPr lang="es-CL" sz="2000" dirty="0">
+                <a:solidFill>
+                  <a:schemeClr val="tx1">
+                    <a:lumMod val="75000"/>
+                    <a:lumOff val="25000"/>
+                  </a:schemeClr>
+                </a:solidFill>
+              </a:rPr>
+              <a:t>Recomendación</a:t>
+            </a:r>
+          </a:p>
+          <a:p>
+            <a:pPr marL="971550" lvl="1" indent="-514350">
+              <a:buFont typeface="Arial" panose="020B0604020202020204" pitchFamily="34" charset="0"/>
+              <a:buChar char="•"/>
+            </a:pPr>
+            <a:r>
+              <a:rPr lang="es-CL" sz="2000" dirty="0">
+                <a:solidFill>
+                  <a:schemeClr val="tx1">
+                    <a:lumMod val="75000"/>
+                    <a:lumOff val="25000"/>
+                  </a:schemeClr>
+                </a:solidFill>
+                <a:latin typeface="+mn-lt"/>
+              </a:rPr>
+              <a:t>Reunión de Cierre</a:t>
             </a:r>
           </a:p>
         </p:txBody>
@@ -7953,28 +8950,6 @@
               <a:t>3</a:t>
             </a:fld>
             <a:endParaRPr lang="es-ES"/>
-          </a:p>
-        </p:txBody>
-      </p:sp>
-      <p:sp>
-        <p:nvSpPr>
-          <p:cNvPr id="4" name="Marcador de pie de página 3"/>
-          <p:cNvSpPr>
-            <a:spLocks noGrp="1"/>
-          </p:cNvSpPr>
-          <p:nvPr>
-            <p:ph type="ftr" sz="quarter" idx="11"/>
-          </p:nvPr>
-        </p:nvSpPr>
-        <p:spPr/>
-        <p:txBody>
-          <a:bodyPr/>
-          <a:lstStyle/>
-          <a:p>
-            <a:r>
-              <a:rPr lang="es-ES"/>
-              <a:t>Autor 1 - Autor 2 - Autor 3 - Autor 4 - Autor 5</a:t>
-            </a:r>
           </a:p>
         </p:txBody>
       </p:sp>
@@ -8021,7 +8996,7 @@
         <p:spPr>
           <a:xfrm>
             <a:off x="259355" y="385487"/>
-            <a:ext cx="3102082" cy="436746"/>
+            <a:ext cx="3636784" cy="436746"/>
           </a:xfrm>
         </p:spPr>
         <p:txBody>
@@ -8037,7 +9012,7 @@
                 </a:solidFill>
                 <a:latin typeface="+mn-lt"/>
               </a:rPr>
-              <a:t>Rubro de la Empresa</a:t>
+              <a:t>Descripción  de la Empresa</a:t>
             </a:r>
           </a:p>
         </p:txBody>
@@ -8062,28 +9037,6 @@
               <a:t>4</a:t>
             </a:fld>
             <a:endParaRPr lang="es-ES"/>
-          </a:p>
-        </p:txBody>
-      </p:sp>
-      <p:sp>
-        <p:nvSpPr>
-          <p:cNvPr id="5" name="Marcador de pie de página 4"/>
-          <p:cNvSpPr>
-            <a:spLocks noGrp="1"/>
-          </p:cNvSpPr>
-          <p:nvPr>
-            <p:ph type="ftr" sz="quarter" idx="11"/>
-          </p:nvPr>
-        </p:nvSpPr>
-        <p:spPr/>
-        <p:txBody>
-          <a:bodyPr/>
-          <a:lstStyle/>
-          <a:p>
-            <a:r>
-              <a:rPr lang="es-ES"/>
-              <a:t>Autor 1 - Autor 2 - Autor 3 - Autor 4 - Autor 5</a:t>
-            </a:r>
           </a:p>
         </p:txBody>
       </p:sp>
@@ -8191,186 +9144,31 @@
                 <a:solidFill>
                   <a:srgbClr val="E30513"/>
                 </a:solidFill>
-                <a:latin typeface="+mn-lt"/>
               </a:rPr>
-              <a:t>Objetivos Principales</a:t>
-            </a:r>
-          </a:p>
-        </p:txBody>
-      </p:sp>
-      <p:sp>
-        <p:nvSpPr>
-          <p:cNvPr id="3" name="Marcador de número de diapositiva 2"/>
-          <p:cNvSpPr>
-            <a:spLocks noGrp="1"/>
-          </p:cNvSpPr>
-          <p:nvPr>
-            <p:ph type="sldNum" sz="quarter" idx="12"/>
-          </p:nvPr>
-        </p:nvSpPr>
-        <p:spPr/>
-        <p:txBody>
-          <a:bodyPr/>
-          <a:lstStyle/>
-          <a:p>
-            <a:fld id="{C0F9E0D3-51B3-8D47-9FA0-6C6BA96BAD74}" type="slidenum">
-              <a:rPr lang="es-ES" smtClean="0"/>
-              <a:t>5</a:t>
-            </a:fld>
-            <a:endParaRPr lang="es-ES"/>
-          </a:p>
-        </p:txBody>
-      </p:sp>
-      <p:sp>
-        <p:nvSpPr>
-          <p:cNvPr id="4" name="Marcador de pie de página 3"/>
-          <p:cNvSpPr>
-            <a:spLocks noGrp="1"/>
-          </p:cNvSpPr>
-          <p:nvPr>
-            <p:ph type="ftr" sz="quarter" idx="11"/>
-          </p:nvPr>
-        </p:nvSpPr>
-        <p:spPr/>
-        <p:txBody>
-          <a:bodyPr/>
-          <a:lstStyle/>
-          <a:p>
-            <a:r>
-              <a:rPr lang="es-ES"/>
-              <a:t>Autor 1 - Autor 2 - Autor 3 - Autor 4 - Autor 5</a:t>
-            </a:r>
-          </a:p>
-        </p:txBody>
-      </p:sp>
-      <p:sp>
-        <p:nvSpPr>
-          <p:cNvPr id="5" name="Rectángulo 4">
-            <a:extLst>
-              <a:ext uri="{FF2B5EF4-FFF2-40B4-BE49-F238E27FC236}">
-                <a16:creationId xmlns:a16="http://schemas.microsoft.com/office/drawing/2014/main" id="{6D28BF91-7404-4526-9DD4-781149790C44}"/>
-              </a:ext>
-            </a:extLst>
-          </p:cNvPr>
-          <p:cNvSpPr/>
+              <a:t>Área para Auditar</a:t>
+            </a:r>
+          </a:p>
+        </p:txBody>
+      </p:sp>
+      <p:sp>
+        <p:nvSpPr>
+          <p:cNvPr id="89" name="Título 1"/>
+          <p:cNvSpPr txBox="1">
+            <a:spLocks/>
+          </p:cNvSpPr>
           <p:nvPr/>
         </p:nvSpPr>
         <p:spPr>
           <a:xfrm>
-            <a:off x="182971" y="1022026"/>
-            <a:ext cx="8579846" cy="1347805"/>
+            <a:off x="391887" y="1118507"/>
+            <a:ext cx="8319406" cy="5021036"/>
           </a:xfrm>
           <a:prstGeom prst="rect">
             <a:avLst/>
           </a:prstGeom>
         </p:spPr>
         <p:txBody>
-          <a:bodyPr wrap="square">
-            <a:spAutoFit/>
-          </a:bodyPr>
-          <a:lstStyle/>
-          <a:p>
-            <a:pPr marL="342900" lvl="0" indent="-342900" algn="just">
-              <a:lnSpc>
-                <a:spcPct val="115000"/>
-              </a:lnSpc>
-              <a:spcAft>
-                <a:spcPts val="0"/>
-              </a:spcAft>
-              <a:buFont typeface="Calibri" panose="020F0502020204030204" pitchFamily="34" charset="0"/>
-              <a:buChar char="-"/>
-            </a:pPr>
-            <a:r>
-              <a:rPr lang="es-CL" dirty="0">
-                <a:latin typeface="Calibri" panose="020F0502020204030204" pitchFamily="34" charset="0"/>
-                <a:ea typeface="Calibri" panose="020F0502020204030204" pitchFamily="34" charset="0"/>
-                <a:cs typeface="Times New Roman" panose="02020603050405020304" pitchFamily="18" charset="0"/>
-              </a:rPr>
-              <a:t>Buscar la forma de integrar al Gremio de Anticuarios y Artesanos al mundo tecnológico. </a:t>
-            </a:r>
-            <a:endParaRPr lang="es-ES" dirty="0">
-              <a:latin typeface="Calibri" panose="020F0502020204030204" pitchFamily="34" charset="0"/>
-              <a:ea typeface="Calibri" panose="020F0502020204030204" pitchFamily="34" charset="0"/>
-              <a:cs typeface="Times New Roman" panose="02020603050405020304" pitchFamily="18" charset="0"/>
-            </a:endParaRPr>
-          </a:p>
-          <a:p>
-            <a:pPr marL="342900" lvl="0" indent="-342900" algn="just">
-              <a:lnSpc>
-                <a:spcPct val="115000"/>
-              </a:lnSpc>
-              <a:spcAft>
-                <a:spcPts val="0"/>
-              </a:spcAft>
-              <a:buFont typeface="Calibri" panose="020F0502020204030204" pitchFamily="34" charset="0"/>
-              <a:buChar char="-"/>
-            </a:pPr>
-            <a:r>
-              <a:rPr lang="es-CL" dirty="0">
-                <a:latin typeface="Calibri" panose="020F0502020204030204" pitchFamily="34" charset="0"/>
-                <a:ea typeface="Calibri" panose="020F0502020204030204" pitchFamily="34" charset="0"/>
-                <a:cs typeface="Times New Roman" panose="02020603050405020304" pitchFamily="18" charset="0"/>
-              </a:rPr>
-              <a:t>Gracias a ello, tener la forma de promocionarse a sí mismo en un futuro.</a:t>
-            </a:r>
-            <a:endParaRPr lang="es-ES" dirty="0">
-              <a:latin typeface="Calibri" panose="020F0502020204030204" pitchFamily="34" charset="0"/>
-              <a:ea typeface="Calibri" panose="020F0502020204030204" pitchFamily="34" charset="0"/>
-              <a:cs typeface="Times New Roman" panose="02020603050405020304" pitchFamily="18" charset="0"/>
-            </a:endParaRPr>
-          </a:p>
-          <a:p>
-            <a:pPr marL="342900" lvl="0" indent="-342900" algn="just">
-              <a:lnSpc>
-                <a:spcPct val="115000"/>
-              </a:lnSpc>
-              <a:spcAft>
-                <a:spcPts val="1000"/>
-              </a:spcAft>
-              <a:buFont typeface="Calibri" panose="020F0502020204030204" pitchFamily="34" charset="0"/>
-              <a:buChar char="-"/>
-            </a:pPr>
-            <a:r>
-              <a:rPr lang="es-CL" dirty="0">
-                <a:latin typeface="Calibri" panose="020F0502020204030204" pitchFamily="34" charset="0"/>
-                <a:ea typeface="Calibri" panose="020F0502020204030204" pitchFamily="34" charset="0"/>
-                <a:cs typeface="Times New Roman" panose="02020603050405020304" pitchFamily="18" charset="0"/>
-              </a:rPr>
-              <a:t>Y finalmente, tener la seguridad de no perder sus puestos como tal.</a:t>
-            </a:r>
-            <a:endParaRPr lang="es-ES" dirty="0">
-              <a:latin typeface="Calibri" panose="020F0502020204030204" pitchFamily="34" charset="0"/>
-              <a:ea typeface="Calibri" panose="020F0502020204030204" pitchFamily="34" charset="0"/>
-              <a:cs typeface="Times New Roman" panose="02020603050405020304" pitchFamily="18" charset="0"/>
-            </a:endParaRPr>
-          </a:p>
-        </p:txBody>
-      </p:sp>
-      <p:sp>
-        <p:nvSpPr>
-          <p:cNvPr id="7" name="Título 1">
-            <a:extLst>
-              <a:ext uri="{FF2B5EF4-FFF2-40B4-BE49-F238E27FC236}">
-                <a16:creationId xmlns:a16="http://schemas.microsoft.com/office/drawing/2014/main" id="{D63AE529-BD79-4CF2-AF1B-9BEFDE80B821}"/>
-              </a:ext>
-            </a:extLst>
-          </p:cNvPr>
-          <p:cNvSpPr txBox="1">
-            <a:spLocks/>
-          </p:cNvSpPr>
-          <p:nvPr/>
-        </p:nvSpPr>
-        <p:spPr>
-          <a:xfrm>
-            <a:off x="259354" y="2567533"/>
-            <a:ext cx="4035059" cy="436746"/>
-          </a:xfrm>
-          <a:prstGeom prst="rect">
-            <a:avLst/>
-          </a:prstGeom>
-        </p:spPr>
-        <p:txBody>
-          <a:bodyPr vert="horz" lIns="91440" tIns="45720" rIns="91440" bIns="45720" rtlCol="0" anchor="ctr">
+          <a:bodyPr vert="horz" lIns="91440" tIns="45720" rIns="91440" bIns="45720" rtlCol="0" anchor="t">
             <a:noAutofit/>
           </a:bodyPr>
           <a:lstStyle>
@@ -8390,131 +9188,120 @@
             </a:lvl1pPr>
           </a:lstStyle>
           <a:p>
-            <a:r>
-              <a:rPr lang="es-CL" sz="2400" b="1" dirty="0">
+            <a:pPr marL="285750" indent="-285750" algn="just">
+              <a:buFont typeface="Arial" panose="020B0604020202020204" pitchFamily="34" charset="0"/>
+              <a:buChar char="•"/>
+            </a:pPr>
+            <a:r>
+              <a:rPr lang="es-CL" sz="2400" dirty="0">
                 <a:solidFill>
-                  <a:srgbClr val="E30513"/>
+                  <a:schemeClr val="tx1">
+                    <a:lumMod val="75000"/>
+                    <a:lumOff val="25000"/>
+                  </a:schemeClr>
                 </a:solidFill>
                 <a:latin typeface="+mn-lt"/>
               </a:rPr>
-              <a:t>Soporte Informático Existente</a:t>
-            </a:r>
-          </a:p>
-        </p:txBody>
-      </p:sp>
-      <p:sp>
-        <p:nvSpPr>
-          <p:cNvPr id="6" name="Rectángulo 5">
+              <a:t>Esta auditoria está hecha en base a la “Explotación y Dirección”, las cuales esta está enfocada a gestión y explotación de los recursos que la empresa posee.</a:t>
+            </a:r>
+          </a:p>
+          <a:p>
+            <a:pPr marL="285750" indent="-285750" algn="just">
+              <a:buFont typeface="Arial" panose="020B0604020202020204" pitchFamily="34" charset="0"/>
+              <a:buChar char="•"/>
+            </a:pPr>
+            <a:endParaRPr lang="es-CL" sz="2400" dirty="0">
+              <a:solidFill>
+                <a:schemeClr val="tx1">
+                  <a:lumMod val="75000"/>
+                  <a:lumOff val="25000"/>
+                </a:schemeClr>
+              </a:solidFill>
+              <a:latin typeface="+mn-lt"/>
+            </a:endParaRPr>
+          </a:p>
+        </p:txBody>
+      </p:sp>
+      <p:sp>
+        <p:nvSpPr>
+          <p:cNvPr id="3" name="Marcador de número de diapositiva 2"/>
+          <p:cNvSpPr>
+            <a:spLocks noGrp="1"/>
+          </p:cNvSpPr>
+          <p:nvPr>
+            <p:ph type="sldNum" sz="quarter" idx="12"/>
+          </p:nvPr>
+        </p:nvSpPr>
+        <p:spPr/>
+        <p:txBody>
+          <a:bodyPr/>
+          <a:lstStyle/>
+          <a:p>
+            <a:fld id="{C0F9E0D3-51B3-8D47-9FA0-6C6BA96BAD74}" type="slidenum">
+              <a:rPr lang="es-ES" smtClean="0"/>
+              <a:t>5</a:t>
+            </a:fld>
+            <a:endParaRPr lang="es-ES"/>
+          </a:p>
+        </p:txBody>
+      </p:sp>
+      <p:sp>
+        <p:nvSpPr>
+          <p:cNvPr id="6" name="Título 1">
             <a:extLst>
               <a:ext uri="{FF2B5EF4-FFF2-40B4-BE49-F238E27FC236}">
-                <a16:creationId xmlns:a16="http://schemas.microsoft.com/office/drawing/2014/main" id="{7EEE0932-F308-4AE7-9B18-0FD6F7459940}"/>
+                <a16:creationId xmlns:a16="http://schemas.microsoft.com/office/drawing/2014/main" id="{783D96D7-5679-413E-9E21-B4C8331400B8}"/>
               </a:ext>
             </a:extLst>
           </p:cNvPr>
-          <p:cNvSpPr/>
+          <p:cNvSpPr txBox="1">
+            <a:spLocks/>
+          </p:cNvSpPr>
           <p:nvPr/>
         </p:nvSpPr>
         <p:spPr>
           <a:xfrm>
-            <a:off x="259354" y="3196151"/>
-            <a:ext cx="8579846" cy="646331"/>
+            <a:off x="259354" y="2860173"/>
+            <a:ext cx="4035059" cy="436746"/>
           </a:xfrm>
           <a:prstGeom prst="rect">
             <a:avLst/>
           </a:prstGeom>
         </p:spPr>
         <p:txBody>
-          <a:bodyPr wrap="square">
-            <a:spAutoFit/>
+          <a:bodyPr vert="horz" lIns="91440" tIns="45720" rIns="91440" bIns="45720" rtlCol="0" anchor="ctr">
+            <a:noAutofit/>
           </a:bodyPr>
-          <a:lstStyle/>
-          <a:p>
-            <a:r>
-              <a:rPr lang="es-CL" b="1" dirty="0">
-                <a:latin typeface="Calibri" panose="020F0502020204030204" pitchFamily="34" charset="0"/>
-                <a:ea typeface="Calibri" panose="020F0502020204030204" pitchFamily="34" charset="0"/>
-                <a:cs typeface="Times New Roman" panose="02020603050405020304" pitchFamily="18" charset="0"/>
-              </a:rPr>
-              <a:t>“Carece de algún soporte informático”</a:t>
-            </a:r>
-            <a:r>
-              <a:rPr lang="es-CL" dirty="0">
-                <a:latin typeface="Calibri" panose="020F0502020204030204" pitchFamily="34" charset="0"/>
-                <a:ea typeface="Calibri" panose="020F0502020204030204" pitchFamily="34" charset="0"/>
-                <a:cs typeface="Times New Roman" panose="02020603050405020304" pitchFamily="18" charset="0"/>
-              </a:rPr>
-              <a:t>, la razón radica en las personas que trabajan aquí, ya que son personas mayores de edad </a:t>
-            </a:r>
-            <a:r>
-              <a:rPr lang="es-CL" b="1" dirty="0">
-                <a:latin typeface="Calibri" panose="020F0502020204030204" pitchFamily="34" charset="0"/>
-                <a:ea typeface="Calibri" panose="020F0502020204030204" pitchFamily="34" charset="0"/>
-                <a:cs typeface="Times New Roman" panose="02020603050405020304" pitchFamily="18" charset="0"/>
-              </a:rPr>
-              <a:t>(50 años hacia delante aprox.)</a:t>
-            </a:r>
-            <a:endParaRPr lang="es-ES" dirty="0"/>
-          </a:p>
-        </p:txBody>
-      </p:sp>
-      <p:pic>
-        <p:nvPicPr>
-          <p:cNvPr id="2050" name="Picture 2" descr="Image result for objetivos png">
-            <a:extLst>
-              <a:ext uri="{FF2B5EF4-FFF2-40B4-BE49-F238E27FC236}">
-                <a16:creationId xmlns:a16="http://schemas.microsoft.com/office/drawing/2014/main" id="{D4F3E845-0470-4836-893D-CB333961FB1D}"/>
-              </a:ext>
-            </a:extLst>
-          </p:cNvPr>
-          <p:cNvPicPr>
-            <a:picLocks noChangeAspect="1" noChangeArrowheads="1"/>
-          </p:cNvPicPr>
-          <p:nvPr/>
-        </p:nvPicPr>
-        <p:blipFill>
-          <a:blip r:embed="rId2">
-            <a:duotone>
-              <a:schemeClr val="accent1">
-                <a:shade val="45000"/>
-                <a:satMod val="135000"/>
-              </a:schemeClr>
-              <a:prstClr val="white"/>
-            </a:duotone>
-            <a:extLst>
-              <a:ext uri="{28A0092B-C50C-407E-A947-70E740481C1C}">
-                <a14:useLocalDpi xmlns:a14="http://schemas.microsoft.com/office/drawing/2010/main" val="0"/>
-              </a:ext>
-            </a:extLst>
-          </a:blip>
-          <a:srcRect/>
-          <a:stretch>
-            <a:fillRect/>
-          </a:stretch>
-        </p:blipFill>
-        <p:spPr bwMode="auto">
-          <a:xfrm>
-            <a:off x="3297472" y="4034354"/>
-            <a:ext cx="1993881" cy="1993881"/>
-          </a:xfrm>
-          <a:prstGeom prst="rect">
-            <a:avLst/>
-          </a:prstGeom>
-          <a:noFill/>
-          <a:extLst>
-            <a:ext uri="{909E8E84-426E-40DD-AFC4-6F175D3DCCD1}">
-              <a14:hiddenFill xmlns:a14="http://schemas.microsoft.com/office/drawing/2010/main">
+          <a:lstStyle>
+            <a:lvl1pPr algn="l" defTabSz="457200" rtl="0" eaLnBrk="1" latinLnBrk="0" hangingPunct="1">
+              <a:spcBef>
+                <a:spcPct val="0"/>
+              </a:spcBef>
+              <a:buNone/>
+              <a:defRPr sz="3600" kern="1200">
                 <a:solidFill>
-                  <a:srgbClr val="FFFFFF"/>
+                  <a:srgbClr val="FF0000"/>
                 </a:solidFill>
-              </a14:hiddenFill>
-            </a:ext>
-          </a:extLst>
-        </p:spPr>
-      </p:pic>
+                <a:latin typeface="Myriad Pro"/>
+                <a:ea typeface="+mj-ea"/>
+                <a:cs typeface="Myriad Pro"/>
+              </a:defRPr>
+            </a:lvl1pPr>
+          </a:lstStyle>
+          <a:p>
+            <a:endParaRPr lang="es-CL" sz="2400" b="1" dirty="0">
+              <a:solidFill>
+                <a:srgbClr val="E30513"/>
+              </a:solidFill>
+              <a:latin typeface="+mn-lt"/>
+            </a:endParaRPr>
+          </a:p>
+        </p:txBody>
+      </p:sp>
     </p:spTree>
     <p:extLst>
       <p:ext uri="{BB962C8B-B14F-4D97-AF65-F5344CB8AC3E}">
-        <p14:creationId xmlns:p14="http://schemas.microsoft.com/office/powerpoint/2010/main" val="1676933570"/>
+        <p14:creationId xmlns:p14="http://schemas.microsoft.com/office/powerpoint/2010/main" val="1977297944"/>
       </p:ext>
     </p:extLst>
   </p:cSld>
@@ -8553,8 +9340,8 @@
         </p:nvSpPr>
         <p:spPr>
           <a:xfrm>
-            <a:off x="457200" y="236150"/>
-            <a:ext cx="5056094" cy="758932"/>
+            <a:off x="259354" y="385487"/>
+            <a:ext cx="4035059" cy="436746"/>
           </a:xfrm>
         </p:spPr>
         <p:txBody>
@@ -8570,88 +9357,14 @@
                 </a:solidFill>
                 <a:latin typeface="+mn-lt"/>
               </a:rPr>
-              <a:t>Determinación de la Problemática </a:t>
-            </a:r>
-          </a:p>
-        </p:txBody>
-      </p:sp>
-      <p:sp>
-        <p:nvSpPr>
-          <p:cNvPr id="3" name="Marcador de contenido 2"/>
-          <p:cNvSpPr>
-            <a:spLocks noGrp="1"/>
-          </p:cNvSpPr>
-          <p:nvPr>
-            <p:ph sz="half" idx="1"/>
-          </p:nvPr>
-        </p:nvSpPr>
-        <p:spPr/>
-        <p:txBody>
-          <a:bodyPr vert="horz" lIns="91440" tIns="45720" rIns="91440" bIns="45720" rtlCol="0" anchor="t">
-            <a:noAutofit/>
-          </a:bodyPr>
-          <a:lstStyle/>
-          <a:p>
-            <a:pPr marL="285750" indent="-285750" algn="just">
-              <a:spcBef>
-                <a:spcPct val="0"/>
-              </a:spcBef>
-              <a:buFont typeface="Arial" panose="020B0604020202020204" pitchFamily="34" charset="0"/>
-            </a:pPr>
-            <a:endParaRPr lang="es-CL" dirty="0">
-              <a:solidFill>
-                <a:schemeClr val="tx1">
-                  <a:lumMod val="75000"/>
-                  <a:lumOff val="25000"/>
-                </a:schemeClr>
-              </a:solidFill>
-              <a:latin typeface="+mn-lt"/>
-              <a:ea typeface="+mj-ea"/>
-            </a:endParaRPr>
-          </a:p>
-        </p:txBody>
-      </p:sp>
-      <p:sp>
-        <p:nvSpPr>
-          <p:cNvPr id="4" name="Marcador de contenido 3"/>
-          <p:cNvSpPr>
-            <a:spLocks noGrp="1"/>
-          </p:cNvSpPr>
-          <p:nvPr>
-            <p:ph sz="half" idx="2"/>
-          </p:nvPr>
-        </p:nvSpPr>
-        <p:spPr>
-          <a:noFill/>
-        </p:spPr>
-        <p:txBody>
-          <a:bodyPr vert="horz" lIns="91440" tIns="45720" rIns="91440" bIns="45720" rtlCol="0" anchor="t">
-            <a:noAutofit/>
-          </a:bodyPr>
-          <a:lstStyle/>
-          <a:p>
-            <a:pPr marL="285750" indent="-285750" algn="just">
-              <a:spcBef>
-                <a:spcPct val="0"/>
-              </a:spcBef>
-              <a:buFont typeface="Arial" panose="020B0604020202020204" pitchFamily="34" charset="0"/>
-            </a:pPr>
-            <a:endParaRPr lang="es-CL">
-              <a:solidFill>
-                <a:schemeClr val="tx1">
-                  <a:lumMod val="75000"/>
-                  <a:lumOff val="25000"/>
-                </a:schemeClr>
-              </a:solidFill>
-              <a:latin typeface="+mn-lt"/>
-              <a:ea typeface="+mj-ea"/>
-            </a:endParaRPr>
-          </a:p>
-        </p:txBody>
-      </p:sp>
-      <p:sp>
-        <p:nvSpPr>
-          <p:cNvPr id="5" name="Marcador de número de diapositiva 4"/>
+              <a:t>Carta Gantt</a:t>
+            </a:r>
+          </a:p>
+        </p:txBody>
+      </p:sp>
+      <p:sp>
+        <p:nvSpPr>
+          <p:cNvPr id="3" name="Marcador de número de diapositiva 2"/>
           <p:cNvSpPr>
             <a:spLocks noGrp="1"/>
           </p:cNvSpPr>
@@ -8674,7 +9387,7 @@
       </p:sp>
       <p:sp>
         <p:nvSpPr>
-          <p:cNvPr id="6" name="Marcador de pie de página 5"/>
+          <p:cNvPr id="4" name="Marcador de pie de página 3"/>
           <p:cNvSpPr>
             <a:spLocks noGrp="1"/>
           </p:cNvSpPr>
@@ -8688,16 +9401,55 @@
           <a:lstStyle/>
           <a:p>
             <a:r>
-              <a:rPr lang="es-ES" dirty="0"/>
+              <a:rPr lang="es-ES"/>
               <a:t>Autor 1 - Autor 2 - Autor 3 - Autor 4 - Autor 5</a:t>
             </a:r>
           </a:p>
         </p:txBody>
       </p:sp>
+      <p:pic>
+        <p:nvPicPr>
+          <p:cNvPr id="9" name="Imagen 8">
+            <a:extLst>
+              <a:ext uri="{FF2B5EF4-FFF2-40B4-BE49-F238E27FC236}">
+                <a16:creationId xmlns:a16="http://schemas.microsoft.com/office/drawing/2014/main" id="{CB832218-8B10-4C81-9414-B535F773F196}"/>
+              </a:ext>
+            </a:extLst>
+          </p:cNvPr>
+          <p:cNvPicPr/>
+          <p:nvPr/>
+        </p:nvPicPr>
+        <p:blipFill>
+          <a:blip r:embed="rId2">
+            <a:extLst>
+              <a:ext uri="{28A0092B-C50C-407E-A947-70E740481C1C}">
+                <a14:useLocalDpi xmlns:a14="http://schemas.microsoft.com/office/drawing/2010/main" val="0"/>
+              </a:ext>
+            </a:extLst>
+          </a:blip>
+          <a:srcRect/>
+          <a:stretch>
+            <a:fillRect/>
+          </a:stretch>
+        </p:blipFill>
+        <p:spPr bwMode="auto">
+          <a:xfrm>
+            <a:off x="259354" y="822233"/>
+            <a:ext cx="8625292" cy="5896619"/>
+          </a:xfrm>
+          <a:prstGeom prst="rect">
+            <a:avLst/>
+          </a:prstGeom>
+          <a:noFill/>
+          <a:ln>
+            <a:noFill/>
+          </a:ln>
+        </p:spPr>
+      </p:pic>
     </p:spTree>
     <p:extLst>
       <p:ext uri="{BB962C8B-B14F-4D97-AF65-F5344CB8AC3E}">
-        <p14:creationId xmlns:p14="http://schemas.microsoft.com/office/powerpoint/2010/main" val="1328946175"/>
+        <p14:creationId xmlns:p14="http://schemas.microsoft.com/office/powerpoint/2010/main" val="1905603162"/>
       </p:ext>
     </p:extLst>
   </p:cSld>
@@ -8737,7 +9489,7 @@
         <p:spPr>
           <a:xfrm>
             <a:off x="259354" y="385487"/>
-            <a:ext cx="4035059" cy="436746"/>
+            <a:ext cx="5256075" cy="436746"/>
           </a:xfrm>
         </p:spPr>
         <p:txBody>
@@ -8751,9 +9503,8 @@
                 <a:solidFill>
                   <a:srgbClr val="E30513"/>
                 </a:solidFill>
-                <a:latin typeface="+mn-lt"/>
               </a:rPr>
-              <a:t>Posibles Soluciones</a:t>
+              <a:t>Cliente de la Auditoria y Auditores</a:t>
             </a:r>
           </a:p>
         </p:txBody>
@@ -8800,18 +9551,15 @@
               <a:buFont typeface="Arial" panose="020B0604020202020204" pitchFamily="34" charset="0"/>
               <a:buChar char="•"/>
             </a:pPr>
-            <a:r>
-              <a:rPr lang="es-CL" sz="2400" dirty="0">
-                <a:solidFill>
-                  <a:schemeClr val="tx1">
-                    <a:lumMod val="75000"/>
-                    <a:lumOff val="25000"/>
-                  </a:schemeClr>
-                </a:solidFill>
-                <a:latin typeface="+mn-lt"/>
-              </a:rPr>
-              <a:t>Presentar ideas claves, ideas fuerza, sobre las temáticas propuestas. Cerrar la presentación. También puede incluir preguntas, imagen, animación, etc.</a:t>
-            </a:r>
+            <a:endParaRPr lang="es-CL" sz="2400" dirty="0">
+              <a:solidFill>
+                <a:schemeClr val="tx1">
+                  <a:lumMod val="75000"/>
+                  <a:lumOff val="25000"/>
+                </a:schemeClr>
+              </a:solidFill>
+              <a:latin typeface="+mn-lt"/>
+            </a:endParaRPr>
           </a:p>
         </p:txBody>
       </p:sp>
@@ -8835,312 +9583,6 @@
               <a:t>7</a:t>
             </a:fld>
             <a:endParaRPr lang="es-ES"/>
-          </a:p>
-        </p:txBody>
-      </p:sp>
-      <p:sp>
-        <p:nvSpPr>
-          <p:cNvPr id="4" name="Marcador de pie de página 3"/>
-          <p:cNvSpPr>
-            <a:spLocks noGrp="1"/>
-          </p:cNvSpPr>
-          <p:nvPr>
-            <p:ph type="ftr" sz="quarter" idx="11"/>
-          </p:nvPr>
-        </p:nvSpPr>
-        <p:spPr/>
-        <p:txBody>
-          <a:bodyPr/>
-          <a:lstStyle/>
-          <a:p>
-            <a:r>
-              <a:rPr lang="es-ES"/>
-              <a:t>Autor 1 - Autor 2 - Autor 3 - Autor 4 - Autor 5</a:t>
-            </a:r>
-          </a:p>
-        </p:txBody>
-      </p:sp>
-      <p:sp>
-        <p:nvSpPr>
-          <p:cNvPr id="6" name="Título 1">
-            <a:extLst>
-              <a:ext uri="{FF2B5EF4-FFF2-40B4-BE49-F238E27FC236}">
-                <a16:creationId xmlns:a16="http://schemas.microsoft.com/office/drawing/2014/main" id="{783D96D7-5679-413E-9E21-B4C8331400B8}"/>
-              </a:ext>
-            </a:extLst>
-          </p:cNvPr>
-          <p:cNvSpPr txBox="1">
-            <a:spLocks/>
-          </p:cNvSpPr>
-          <p:nvPr/>
-        </p:nvSpPr>
-        <p:spPr>
-          <a:xfrm>
-            <a:off x="259353" y="2860173"/>
-            <a:ext cx="4035059" cy="436746"/>
-          </a:xfrm>
-          <a:prstGeom prst="rect">
-            <a:avLst/>
-          </a:prstGeom>
-        </p:spPr>
-        <p:txBody>
-          <a:bodyPr vert="horz" lIns="91440" tIns="45720" rIns="91440" bIns="45720" rtlCol="0" anchor="ctr">
-            <a:noAutofit/>
-          </a:bodyPr>
-          <a:lstStyle>
-            <a:lvl1pPr algn="l" defTabSz="457200" rtl="0" eaLnBrk="1" latinLnBrk="0" hangingPunct="1">
-              <a:spcBef>
-                <a:spcPct val="0"/>
-              </a:spcBef>
-              <a:buNone/>
-              <a:defRPr sz="3600" kern="1200">
-                <a:solidFill>
-                  <a:srgbClr val="FF0000"/>
-                </a:solidFill>
-                <a:latin typeface="Myriad Pro"/>
-                <a:ea typeface="+mj-ea"/>
-                <a:cs typeface="Myriad Pro"/>
-              </a:defRPr>
-            </a:lvl1pPr>
-          </a:lstStyle>
-          <a:p>
-            <a:r>
-              <a:rPr lang="es-CL" sz="2400" b="1">
-                <a:solidFill>
-                  <a:srgbClr val="E30513"/>
-                </a:solidFill>
-                <a:latin typeface="+mn-lt"/>
-              </a:rPr>
-              <a:t>Área para Auditar</a:t>
-            </a:r>
-            <a:endParaRPr lang="es-CL" sz="2400" b="1" dirty="0">
-              <a:solidFill>
-                <a:srgbClr val="E30513"/>
-              </a:solidFill>
-              <a:latin typeface="+mn-lt"/>
-            </a:endParaRPr>
-          </a:p>
-        </p:txBody>
-      </p:sp>
-    </p:spTree>
-    <p:extLst>
-      <p:ext uri="{BB962C8B-B14F-4D97-AF65-F5344CB8AC3E}">
-        <p14:creationId xmlns:p14="http://schemas.microsoft.com/office/powerpoint/2010/main" val="1977297944"/>
-      </p:ext>
-    </p:extLst>
-  </p:cSld>
-  <p:clrMapOvr>
-    <a:masterClrMapping/>
-  </p:clrMapOvr>
-</p:sld>
-</file>
-
-<file path=ppt/slides/slide8.xml><?xml version="1.0" encoding="utf-8"?>
-<p:sld xmlns:a="http://schemas.openxmlformats.org/drawingml/2006/main" xmlns:r="http://schemas.openxmlformats.org/officeDocument/2006/relationships" xmlns:p="http://schemas.openxmlformats.org/presentationml/2006/main">
-  <p:cSld>
-    <p:spTree>
-      <p:nvGrpSpPr>
-        <p:cNvPr id="1" name=""/>
-        <p:cNvGrpSpPr/>
-        <p:nvPr/>
-      </p:nvGrpSpPr>
-      <p:grpSpPr>
-        <a:xfrm>
-          <a:off x="0" y="0"/>
-          <a:ext cx="0" cy="0"/>
-          <a:chOff x="0" y="0"/>
-          <a:chExt cx="0" cy="0"/>
-        </a:xfrm>
-      </p:grpSpPr>
-      <p:sp>
-        <p:nvSpPr>
-          <p:cNvPr id="2" name="Título 1"/>
-          <p:cNvSpPr>
-            <a:spLocks noGrp="1"/>
-          </p:cNvSpPr>
-          <p:nvPr>
-            <p:ph type="title"/>
-          </p:nvPr>
-        </p:nvSpPr>
-        <p:spPr>
-          <a:xfrm>
-            <a:off x="259354" y="385487"/>
-            <a:ext cx="4035059" cy="436746"/>
-          </a:xfrm>
-        </p:spPr>
-        <p:txBody>
-          <a:bodyPr vert="horz" lIns="91440" tIns="45720" rIns="91440" bIns="45720" rtlCol="0" anchor="ctr">
-            <a:noAutofit/>
-          </a:bodyPr>
-          <a:lstStyle/>
-          <a:p>
-            <a:r>
-              <a:rPr lang="es-CL" sz="2400" b="1" dirty="0">
-                <a:solidFill>
-                  <a:srgbClr val="E30513"/>
-                </a:solidFill>
-                <a:latin typeface="+mn-lt"/>
-              </a:rPr>
-              <a:t>Beneficios Esperados</a:t>
-            </a:r>
-          </a:p>
-        </p:txBody>
-      </p:sp>
-      <p:sp>
-        <p:nvSpPr>
-          <p:cNvPr id="89" name="Título 1"/>
-          <p:cNvSpPr txBox="1">
-            <a:spLocks/>
-          </p:cNvSpPr>
-          <p:nvPr/>
-        </p:nvSpPr>
-        <p:spPr>
-          <a:xfrm>
-            <a:off x="391887" y="1118507"/>
-            <a:ext cx="8319406" cy="5021036"/>
-          </a:xfrm>
-          <a:prstGeom prst="rect">
-            <a:avLst/>
-          </a:prstGeom>
-        </p:spPr>
-        <p:txBody>
-          <a:bodyPr vert="horz" lIns="91440" tIns="45720" rIns="91440" bIns="45720" rtlCol="0" anchor="t">
-            <a:noAutofit/>
-          </a:bodyPr>
-          <a:lstStyle>
-            <a:lvl1pPr algn="l" defTabSz="457200" rtl="0" eaLnBrk="1" latinLnBrk="0" hangingPunct="1">
-              <a:spcBef>
-                <a:spcPct val="0"/>
-              </a:spcBef>
-              <a:buNone/>
-              <a:defRPr sz="3600" kern="1200">
-                <a:solidFill>
-                  <a:srgbClr val="FF0000"/>
-                </a:solidFill>
-                <a:latin typeface="Myriad Pro"/>
-                <a:ea typeface="+mj-ea"/>
-                <a:cs typeface="Myriad Pro"/>
-              </a:defRPr>
-            </a:lvl1pPr>
-          </a:lstStyle>
-          <a:p>
-            <a:pPr marL="285750" indent="-285750" algn="just">
-              <a:buFont typeface="Arial" panose="020B0604020202020204" pitchFamily="34" charset="0"/>
-              <a:buChar char="•"/>
-            </a:pPr>
-            <a:r>
-              <a:rPr lang="es-CL" sz="2400" dirty="0">
-                <a:solidFill>
-                  <a:schemeClr val="tx1">
-                    <a:lumMod val="75000"/>
-                    <a:lumOff val="25000"/>
-                  </a:schemeClr>
-                </a:solidFill>
-                <a:latin typeface="+mn-lt"/>
-              </a:rPr>
-              <a:t>Presentar ideas claves, ideas fuerza, sobre las temáticas propuestas. Cerrar la presentación. También puede incluir preguntas, imagen, animación, etc.</a:t>
-            </a:r>
-          </a:p>
-        </p:txBody>
-      </p:sp>
-      <p:sp>
-        <p:nvSpPr>
-          <p:cNvPr id="3" name="Marcador de número de diapositiva 2"/>
-          <p:cNvSpPr>
-            <a:spLocks noGrp="1"/>
-          </p:cNvSpPr>
-          <p:nvPr>
-            <p:ph type="sldNum" sz="quarter" idx="12"/>
-          </p:nvPr>
-        </p:nvSpPr>
-        <p:spPr/>
-        <p:txBody>
-          <a:bodyPr/>
-          <a:lstStyle/>
-          <a:p>
-            <a:fld id="{C0F9E0D3-51B3-8D47-9FA0-6C6BA96BAD74}" type="slidenum">
-              <a:rPr lang="es-ES" smtClean="0"/>
-              <a:t>8</a:t>
-            </a:fld>
-            <a:endParaRPr lang="es-ES"/>
-          </a:p>
-        </p:txBody>
-      </p:sp>
-      <p:sp>
-        <p:nvSpPr>
-          <p:cNvPr id="4" name="Marcador de pie de página 3"/>
-          <p:cNvSpPr>
-            <a:spLocks noGrp="1"/>
-          </p:cNvSpPr>
-          <p:nvPr>
-            <p:ph type="ftr" sz="quarter" idx="11"/>
-          </p:nvPr>
-        </p:nvSpPr>
-        <p:spPr/>
-        <p:txBody>
-          <a:bodyPr/>
-          <a:lstStyle/>
-          <a:p>
-            <a:r>
-              <a:rPr lang="es-ES"/>
-              <a:t>Autor 1 - Autor 2 - Autor 3 - Autor 4 - Autor 5</a:t>
-            </a:r>
-          </a:p>
-        </p:txBody>
-      </p:sp>
-      <p:sp>
-        <p:nvSpPr>
-          <p:cNvPr id="6" name="Título 1">
-            <a:extLst>
-              <a:ext uri="{FF2B5EF4-FFF2-40B4-BE49-F238E27FC236}">
-                <a16:creationId xmlns:a16="http://schemas.microsoft.com/office/drawing/2014/main" id="{6609289D-54D7-49E8-9B75-30E0C4E4E68E}"/>
-              </a:ext>
-            </a:extLst>
-          </p:cNvPr>
-          <p:cNvSpPr txBox="1">
-            <a:spLocks/>
-          </p:cNvSpPr>
-          <p:nvPr/>
-        </p:nvSpPr>
-        <p:spPr>
-          <a:xfrm>
-            <a:off x="259353" y="2715030"/>
-            <a:ext cx="5110933" cy="436746"/>
-          </a:xfrm>
-          <a:prstGeom prst="rect">
-            <a:avLst/>
-          </a:prstGeom>
-        </p:spPr>
-        <p:txBody>
-          <a:bodyPr vert="horz" lIns="91440" tIns="45720" rIns="91440" bIns="45720" rtlCol="0" anchor="ctr">
-            <a:noAutofit/>
-          </a:bodyPr>
-          <a:lstStyle>
-            <a:lvl1pPr algn="l" defTabSz="457200" rtl="0" eaLnBrk="1" latinLnBrk="0" hangingPunct="1">
-              <a:spcBef>
-                <a:spcPct val="0"/>
-              </a:spcBef>
-              <a:buNone/>
-              <a:defRPr sz="3600" kern="1200">
-                <a:solidFill>
-                  <a:srgbClr val="FF0000"/>
-                </a:solidFill>
-                <a:latin typeface="Myriad Pro"/>
-                <a:ea typeface="+mj-ea"/>
-                <a:cs typeface="Myriad Pro"/>
-              </a:defRPr>
-            </a:lvl1pPr>
-          </a:lstStyle>
-          <a:p>
-            <a:r>
-              <a:rPr lang="es-CL" sz="2400" b="1" dirty="0">
-                <a:solidFill>
-                  <a:srgbClr val="E30513"/>
-                </a:solidFill>
-                <a:latin typeface="+mn-lt"/>
-              </a:rPr>
-              <a:t>Cliente de la Auditoria y Auditores</a:t>
-            </a:r>
           </a:p>
         </p:txBody>
       </p:sp>
@@ -9159,14 +9601,14 @@
           <p:nvPr>
             <p:extLst>
               <p:ext uri="{D42A27DB-BD31-4B8C-83A1-F6EECF244321}">
-                <p14:modId xmlns:p14="http://schemas.microsoft.com/office/powerpoint/2010/main" val="3970620481"/>
+                <p14:modId xmlns:p14="http://schemas.microsoft.com/office/powerpoint/2010/main" val="614140662"/>
               </p:ext>
             </p:extLst>
           </p:nvPr>
         </p:nvGraphicFramePr>
         <p:xfrm>
-          <a:off x="259354" y="3303088"/>
-          <a:ext cx="5256075" cy="1210855"/>
+          <a:off x="432707" y="1272057"/>
+          <a:ext cx="8319405" cy="1810851"/>
         </p:xfrm>
         <a:graphic>
           <a:graphicData uri="http://schemas.openxmlformats.org/drawingml/2006/table">
@@ -9175,14 +9617,14 @@
                 <a:tableStyleId>{5C22544A-7EE6-4342-B048-85BDC9FD1C3A}</a:tableStyleId>
               </a:tblPr>
               <a:tblGrid>
-                <a:gridCol w="1467846">
+                <a:gridCol w="2323332">
                   <a:extLst>
                     <a:ext uri="{9D8B030D-6E8A-4147-A177-3AD203B41FA5}">
                       <a16:colId xmlns:a16="http://schemas.microsoft.com/office/drawing/2014/main" val="2960856104"/>
                     </a:ext>
                   </a:extLst>
                 </a:gridCol>
-                <a:gridCol w="3788229">
+                <a:gridCol w="5996073">
                   <a:extLst>
                     <a:ext uri="{9D8B030D-6E8A-4147-A177-3AD203B41FA5}">
                       <a16:colId xmlns:a16="http://schemas.microsoft.com/office/drawing/2014/main" val="996738426"/>
@@ -9190,7 +9632,7 @@
                   </a:extLst>
                 </a:gridCol>
               </a:tblGrid>
-              <a:tr h="427377">
+              <a:tr h="639149">
                 <a:tc>
                   <a:txBody>
                     <a:bodyPr/>
@@ -9205,12 +9647,12 @@
                         </a:spcAft>
                       </a:pPr>
                       <a:r>
-                        <a:rPr lang="es-CL" sz="1200">
+                        <a:rPr lang="es-CL" sz="1800">
                           <a:effectLst/>
                         </a:rPr>
                         <a:t>Nombres</a:t>
                       </a:r>
-                      <a:endParaRPr lang="es-ES" sz="1100">
+                      <a:endParaRPr lang="es-ES" sz="1800">
                         <a:effectLst/>
                         <a:latin typeface="Calibri" panose="020F0502020204030204" pitchFamily="34" charset="0"/>
                         <a:ea typeface="Calibri" panose="020F0502020204030204" pitchFamily="34" charset="0"/>
@@ -9234,12 +9676,12 @@
                         </a:spcAft>
                       </a:pPr>
                       <a:r>
-                        <a:rPr lang="es-CL" sz="1200" dirty="0">
+                        <a:rPr lang="es-CL" sz="1800" dirty="0">
                           <a:effectLst/>
                         </a:rPr>
                         <a:t>Cargo</a:t>
                       </a:r>
-                      <a:endParaRPr lang="es-ES" sz="1100" dirty="0">
+                      <a:endParaRPr lang="es-ES" sz="1800" dirty="0">
                         <a:effectLst/>
                         <a:latin typeface="Calibri" panose="020F0502020204030204" pitchFamily="34" charset="0"/>
                         <a:ea typeface="Calibri" panose="020F0502020204030204" pitchFamily="34" charset="0"/>
@@ -9255,7 +9697,7 @@
                   </a:ext>
                 </a:extLst>
               </a:tr>
-              <a:tr h="391739">
+              <a:tr h="585851">
                 <a:tc>
                   <a:txBody>
                     <a:bodyPr/>
@@ -9270,12 +9712,12 @@
                         </a:spcAft>
                       </a:pPr>
                       <a:r>
-                        <a:rPr lang="es-CL" sz="1100">
+                        <a:rPr lang="es-CL" sz="1800">
                           <a:effectLst/>
                         </a:rPr>
                         <a:t>Cristian Arismendi</a:t>
                       </a:r>
-                      <a:endParaRPr lang="es-ES" sz="1100">
+                      <a:endParaRPr lang="es-ES" sz="1800">
                         <a:effectLst/>
                         <a:latin typeface="Calibri" panose="020F0502020204030204" pitchFamily="34" charset="0"/>
                         <a:ea typeface="Calibri" panose="020F0502020204030204" pitchFamily="34" charset="0"/>
@@ -9302,7 +9744,7 @@
                         </a:tabLst>
                       </a:pPr>
                       <a:r>
-                        <a:rPr lang="es-CL" sz="1100" dirty="0">
+                        <a:rPr lang="es-CL" sz="1800" dirty="0">
                           <a:effectLst/>
                           <a:latin typeface="Calibri" panose="020F0502020204030204" pitchFamily="34" charset="0"/>
                           <a:ea typeface="Calibri" panose="020F0502020204030204" pitchFamily="34" charset="0"/>
@@ -9310,7 +9752,7 @@
                         </a:rPr>
                         <a:t>Vicepresidente del Gremio</a:t>
                       </a:r>
-                      <a:endParaRPr lang="es-ES" sz="1100" dirty="0">
+                      <a:endParaRPr lang="es-ES" sz="1800" dirty="0">
                         <a:effectLst/>
                         <a:latin typeface="Calibri" panose="020F0502020204030204" pitchFamily="34" charset="0"/>
                         <a:ea typeface="Calibri" panose="020F0502020204030204" pitchFamily="34" charset="0"/>
@@ -9326,7 +9768,7 @@
                   </a:ext>
                 </a:extLst>
               </a:tr>
-              <a:tr h="391739">
+              <a:tr h="585851">
                 <a:tc>
                   <a:txBody>
                     <a:bodyPr/>
@@ -9341,12 +9783,12 @@
                         </a:spcAft>
                       </a:pPr>
                       <a:r>
-                        <a:rPr lang="es-CL" sz="1100">
+                        <a:rPr lang="es-CL" sz="1800">
                           <a:effectLst/>
                         </a:rPr>
                         <a:t>Jorge Arismendi</a:t>
                       </a:r>
-                      <a:endParaRPr lang="es-ES" sz="1100">
+                      <a:endParaRPr lang="es-ES" sz="1800">
                         <a:effectLst/>
                         <a:latin typeface="Calibri" panose="020F0502020204030204" pitchFamily="34" charset="0"/>
                         <a:ea typeface="Calibri" panose="020F0502020204030204" pitchFamily="34" charset="0"/>
@@ -9373,12 +9815,12 @@
                         </a:tabLst>
                       </a:pPr>
                       <a:r>
-                        <a:rPr lang="es-CL" sz="1100" dirty="0">
+                        <a:rPr lang="es-CL" sz="1800" dirty="0">
                           <a:effectLst/>
                         </a:rPr>
                         <a:t>Presidente del Gremio</a:t>
                       </a:r>
-                      <a:endParaRPr lang="es-ES" sz="1100" dirty="0">
+                      <a:endParaRPr lang="es-ES" sz="1800" dirty="0">
                         <a:effectLst/>
                         <a:latin typeface="Calibri" panose="020F0502020204030204" pitchFamily="34" charset="0"/>
                         <a:ea typeface="Calibri" panose="020F0502020204030204" pitchFamily="34" charset="0"/>
@@ -9413,14 +9855,14 @@
           <p:nvPr>
             <p:extLst>
               <p:ext uri="{D42A27DB-BD31-4B8C-83A1-F6EECF244321}">
-                <p14:modId xmlns:p14="http://schemas.microsoft.com/office/powerpoint/2010/main" val="2879778405"/>
+                <p14:modId xmlns:p14="http://schemas.microsoft.com/office/powerpoint/2010/main" val="2548983720"/>
               </p:ext>
             </p:extLst>
           </p:nvPr>
         </p:nvGraphicFramePr>
         <p:xfrm>
-          <a:off x="259354" y="4680517"/>
-          <a:ext cx="5256075" cy="1210854"/>
+          <a:off x="432708" y="3775091"/>
+          <a:ext cx="8319404" cy="1810852"/>
         </p:xfrm>
         <a:graphic>
           <a:graphicData uri="http://schemas.openxmlformats.org/drawingml/2006/table">
@@ -9429,14 +9871,14 @@
                 <a:tableStyleId>{5C22544A-7EE6-4342-B048-85BDC9FD1C3A}</a:tableStyleId>
               </a:tblPr>
               <a:tblGrid>
-                <a:gridCol w="1453332">
+                <a:gridCol w="2300359">
                   <a:extLst>
                     <a:ext uri="{9D8B030D-6E8A-4147-A177-3AD203B41FA5}">
                       <a16:colId xmlns:a16="http://schemas.microsoft.com/office/drawing/2014/main" val="3237032052"/>
                     </a:ext>
                   </a:extLst>
                 </a:gridCol>
-                <a:gridCol w="3802743">
+                <a:gridCol w="6019045">
                   <a:extLst>
                     <a:ext uri="{9D8B030D-6E8A-4147-A177-3AD203B41FA5}">
                       <a16:colId xmlns:a16="http://schemas.microsoft.com/office/drawing/2014/main" val="2234005917"/>
@@ -9444,7 +9886,7 @@
                   </a:extLst>
                 </a:gridCol>
               </a:tblGrid>
-              <a:tr h="322908">
+              <a:tr h="482914">
                 <a:tc>
                   <a:txBody>
                     <a:bodyPr/>
@@ -9459,12 +9901,12 @@
                         </a:spcAft>
                       </a:pPr>
                       <a:r>
-                        <a:rPr lang="es-CL" sz="1200">
+                        <a:rPr lang="es-CL" sz="1800">
                           <a:effectLst/>
                         </a:rPr>
                         <a:t>Nombres</a:t>
                       </a:r>
-                      <a:endParaRPr lang="es-ES" sz="1100">
+                      <a:endParaRPr lang="es-ES" sz="1800">
                         <a:effectLst/>
                         <a:latin typeface="Calibri" panose="020F0502020204030204" pitchFamily="34" charset="0"/>
                         <a:ea typeface="Calibri" panose="020F0502020204030204" pitchFamily="34" charset="0"/>
@@ -9488,12 +9930,12 @@
                         </a:spcAft>
                       </a:pPr>
                       <a:r>
-                        <a:rPr lang="es-CL" sz="1200" dirty="0">
+                        <a:rPr lang="es-CL" sz="1800" dirty="0">
                           <a:effectLst/>
                         </a:rPr>
                         <a:t>Correo electrónico </a:t>
                       </a:r>
-                      <a:endParaRPr lang="es-ES" sz="1100" dirty="0">
+                      <a:endParaRPr lang="es-ES" sz="1800" dirty="0">
                         <a:effectLst/>
                         <a:latin typeface="Calibri" panose="020F0502020204030204" pitchFamily="34" charset="0"/>
                         <a:ea typeface="Calibri" panose="020F0502020204030204" pitchFamily="34" charset="0"/>
@@ -9509,7 +9951,7 @@
                   </a:ext>
                 </a:extLst>
               </a:tr>
-              <a:tr h="295982">
+              <a:tr h="442646">
                 <a:tc>
                   <a:txBody>
                     <a:bodyPr/>
@@ -9524,12 +9966,12 @@
                         </a:spcAft>
                       </a:pPr>
                       <a:r>
-                        <a:rPr lang="es-CL" sz="1100">
+                        <a:rPr lang="es-CL" sz="1800">
                           <a:effectLst/>
                         </a:rPr>
                         <a:t>Ivo Olivares G.</a:t>
                       </a:r>
-                      <a:endParaRPr lang="es-ES" sz="1100">
+                      <a:endParaRPr lang="es-ES" sz="1800">
                         <a:effectLst/>
                         <a:latin typeface="Calibri" panose="020F0502020204030204" pitchFamily="34" charset="0"/>
                         <a:ea typeface="Calibri" panose="020F0502020204030204" pitchFamily="34" charset="0"/>
@@ -9553,12 +9995,12 @@
                         </a:spcAft>
                       </a:pPr>
                       <a:r>
-                        <a:rPr lang="es-CL" sz="1100" dirty="0">
+                        <a:rPr lang="es-CL" sz="1800" dirty="0">
                           <a:effectLst/>
                         </a:rPr>
                         <a:t>ivo.olivares@inacapmail.cl</a:t>
                       </a:r>
-                      <a:endParaRPr lang="es-ES" sz="1100" dirty="0">
+                      <a:endParaRPr lang="es-ES" sz="1800" dirty="0">
                         <a:effectLst/>
                         <a:latin typeface="Calibri" panose="020F0502020204030204" pitchFamily="34" charset="0"/>
                         <a:ea typeface="Calibri" panose="020F0502020204030204" pitchFamily="34" charset="0"/>
@@ -9574,7 +10016,7 @@
                   </a:ext>
                 </a:extLst>
               </a:tr>
-              <a:tr h="295982">
+              <a:tr h="442646">
                 <a:tc>
                   <a:txBody>
                     <a:bodyPr/>
@@ -9589,12 +10031,12 @@
                         </a:spcAft>
                       </a:pPr>
                       <a:r>
-                        <a:rPr lang="es-CL" sz="1100">
+                        <a:rPr lang="es-CL" sz="1800">
                           <a:effectLst/>
                         </a:rPr>
                         <a:t>Felipe Inda</a:t>
                       </a:r>
-                      <a:endParaRPr lang="es-ES" sz="1100">
+                      <a:endParaRPr lang="es-ES" sz="1800">
                         <a:effectLst/>
                         <a:latin typeface="Calibri" panose="020F0502020204030204" pitchFamily="34" charset="0"/>
                         <a:ea typeface="Calibri" panose="020F0502020204030204" pitchFamily="34" charset="0"/>
@@ -9618,12 +10060,12 @@
                         </a:spcAft>
                       </a:pPr>
                       <a:r>
-                        <a:rPr lang="es-CL" sz="1100">
+                        <a:rPr lang="es-CL" sz="1800" dirty="0">
                           <a:effectLst/>
                         </a:rPr>
                         <a:t>felipe.inda@inacapmail.cl</a:t>
                       </a:r>
-                      <a:endParaRPr lang="es-ES" sz="1100">
+                      <a:endParaRPr lang="es-ES" sz="1800" dirty="0">
                         <a:effectLst/>
                         <a:latin typeface="Calibri" panose="020F0502020204030204" pitchFamily="34" charset="0"/>
                         <a:ea typeface="Calibri" panose="020F0502020204030204" pitchFamily="34" charset="0"/>
@@ -9639,7 +10081,7 @@
                   </a:ext>
                 </a:extLst>
               </a:tr>
-              <a:tr h="295982">
+              <a:tr h="442646">
                 <a:tc>
                   <a:txBody>
                     <a:bodyPr/>
@@ -9654,12 +10096,12 @@
                         </a:spcAft>
                       </a:pPr>
                       <a:r>
-                        <a:rPr lang="es-CL" sz="1100">
+                        <a:rPr lang="es-CL" sz="1800">
                           <a:effectLst/>
                         </a:rPr>
                         <a:t>Yerko Fuentes</a:t>
                       </a:r>
-                      <a:endParaRPr lang="es-ES" sz="1100">
+                      <a:endParaRPr lang="es-ES" sz="1800">
                         <a:effectLst/>
                         <a:latin typeface="Calibri" panose="020F0502020204030204" pitchFamily="34" charset="0"/>
                         <a:ea typeface="Calibri" panose="020F0502020204030204" pitchFamily="34" charset="0"/>
@@ -9683,12 +10125,12 @@
                         </a:spcAft>
                       </a:pPr>
                       <a:r>
-                        <a:rPr lang="es-CL" sz="1100" dirty="0">
+                        <a:rPr lang="es-CL" sz="1800" dirty="0">
                           <a:effectLst/>
                         </a:rPr>
                         <a:t>yerko.fuentes@inacapmail.cl</a:t>
                       </a:r>
-                      <a:endParaRPr lang="es-ES" sz="1100" dirty="0">
+                      <a:endParaRPr lang="es-ES" sz="1800" dirty="0">
                         <a:effectLst/>
                         <a:latin typeface="Calibri" panose="020F0502020204030204" pitchFamily="34" charset="0"/>
                         <a:ea typeface="Calibri" panose="020F0502020204030204" pitchFamily="34" charset="0"/>
@@ -9721,6 +10163,175 @@
 </p:sld>
 </file>
 
+<file path=ppt/slides/slide8.xml><?xml version="1.0" encoding="utf-8"?>
+<p:sld xmlns:a="http://schemas.openxmlformats.org/drawingml/2006/main" xmlns:r="http://schemas.openxmlformats.org/officeDocument/2006/relationships" xmlns:p="http://schemas.openxmlformats.org/presentationml/2006/main">
+  <p:cSld>
+    <p:spTree>
+      <p:nvGrpSpPr>
+        <p:cNvPr id="1" name=""/>
+        <p:cNvGrpSpPr/>
+        <p:nvPr/>
+      </p:nvGrpSpPr>
+      <p:grpSpPr>
+        <a:xfrm>
+          <a:off x="0" y="0"/>
+          <a:ext cx="0" cy="0"/>
+          <a:chOff x="0" y="0"/>
+          <a:chExt cx="0" cy="0"/>
+        </a:xfrm>
+      </p:grpSpPr>
+      <p:sp>
+        <p:nvSpPr>
+          <p:cNvPr id="2" name="Título 1"/>
+          <p:cNvSpPr>
+            <a:spLocks noGrp="1"/>
+          </p:cNvSpPr>
+          <p:nvPr>
+            <p:ph type="title"/>
+          </p:nvPr>
+        </p:nvSpPr>
+        <p:spPr>
+          <a:xfrm>
+            <a:off x="163639" y="2601715"/>
+            <a:ext cx="4161183" cy="1654567"/>
+          </a:xfrm>
+        </p:spPr>
+        <p:txBody>
+          <a:bodyPr vert="horz" lIns="91440" tIns="45720" rIns="91440" bIns="45720" rtlCol="0" anchor="ctr">
+            <a:noAutofit/>
+          </a:bodyPr>
+          <a:lstStyle/>
+          <a:p>
+            <a:r>
+              <a:rPr lang="es-CL" sz="2400" b="1" dirty="0">
+                <a:solidFill>
+                  <a:srgbClr val="E30513"/>
+                </a:solidFill>
+              </a:rPr>
+              <a:t>Normas, Políticas, Procedimientos Existentes</a:t>
+            </a:r>
+          </a:p>
+        </p:txBody>
+      </p:sp>
+      <p:sp>
+        <p:nvSpPr>
+          <p:cNvPr id="89" name="Título 1"/>
+          <p:cNvSpPr txBox="1">
+            <a:spLocks/>
+          </p:cNvSpPr>
+          <p:nvPr/>
+        </p:nvSpPr>
+        <p:spPr>
+          <a:xfrm>
+            <a:off x="391887" y="1118507"/>
+            <a:ext cx="8319406" cy="5021036"/>
+          </a:xfrm>
+          <a:prstGeom prst="rect">
+            <a:avLst/>
+          </a:prstGeom>
+        </p:spPr>
+        <p:txBody>
+          <a:bodyPr vert="horz" lIns="91440" tIns="45720" rIns="91440" bIns="45720" rtlCol="0" anchor="t">
+            <a:noAutofit/>
+          </a:bodyPr>
+          <a:lstStyle>
+            <a:lvl1pPr algn="l" defTabSz="457200" rtl="0" eaLnBrk="1" latinLnBrk="0" hangingPunct="1">
+              <a:spcBef>
+                <a:spcPct val="0"/>
+              </a:spcBef>
+              <a:buNone/>
+              <a:defRPr sz="3600" kern="1200">
+                <a:solidFill>
+                  <a:srgbClr val="FF0000"/>
+                </a:solidFill>
+                <a:latin typeface="Myriad Pro"/>
+                <a:ea typeface="+mj-ea"/>
+                <a:cs typeface="Myriad Pro"/>
+              </a:defRPr>
+            </a:lvl1pPr>
+          </a:lstStyle>
+          <a:p>
+            <a:pPr marL="285750" indent="-285750" algn="just">
+              <a:buFont typeface="Arial" panose="020B0604020202020204" pitchFamily="34" charset="0"/>
+              <a:buChar char="•"/>
+            </a:pPr>
+            <a:endParaRPr lang="es-CL" sz="2400" dirty="0">
+              <a:solidFill>
+                <a:schemeClr val="tx1">
+                  <a:lumMod val="75000"/>
+                  <a:lumOff val="25000"/>
+                </a:schemeClr>
+              </a:solidFill>
+              <a:latin typeface="+mn-lt"/>
+            </a:endParaRPr>
+          </a:p>
+        </p:txBody>
+      </p:sp>
+      <p:sp>
+        <p:nvSpPr>
+          <p:cNvPr id="3" name="Marcador de número de diapositiva 2"/>
+          <p:cNvSpPr>
+            <a:spLocks noGrp="1"/>
+          </p:cNvSpPr>
+          <p:nvPr>
+            <p:ph type="sldNum" sz="quarter" idx="12"/>
+          </p:nvPr>
+        </p:nvSpPr>
+        <p:spPr/>
+        <p:txBody>
+          <a:bodyPr/>
+          <a:lstStyle/>
+          <a:p>
+            <a:fld id="{C0F9E0D3-51B3-8D47-9FA0-6C6BA96BAD74}" type="slidenum">
+              <a:rPr lang="es-ES" smtClean="0"/>
+              <a:t>8</a:t>
+            </a:fld>
+            <a:endParaRPr lang="es-ES"/>
+          </a:p>
+        </p:txBody>
+      </p:sp>
+      <p:pic>
+        <p:nvPicPr>
+          <p:cNvPr id="9" name="Imagen 8">
+            <a:extLst>
+              <a:ext uri="{FF2B5EF4-FFF2-40B4-BE49-F238E27FC236}">
+                <a16:creationId xmlns:a16="http://schemas.microsoft.com/office/drawing/2014/main" id="{3F83F0DE-7C55-4AD8-B2B0-54EA2DE7F2C3}"/>
+              </a:ext>
+            </a:extLst>
+          </p:cNvPr>
+          <p:cNvPicPr>
+            <a:picLocks noChangeAspect="1"/>
+          </p:cNvPicPr>
+          <p:nvPr/>
+        </p:nvPicPr>
+        <p:blipFill rotWithShape="1">
+          <a:blip r:embed="rId2"/>
+          <a:srcRect l="25797" t="10372" r="26232" b="6925"/>
+          <a:stretch/>
+        </p:blipFill>
+        <p:spPr>
+          <a:xfrm>
+            <a:off x="4365642" y="1759225"/>
+            <a:ext cx="4386471" cy="3339549"/>
+          </a:xfrm>
+          <a:prstGeom prst="rect">
+            <a:avLst/>
+          </a:prstGeom>
+        </p:spPr>
+      </p:pic>
+    </p:spTree>
+    <p:extLst>
+      <p:ext uri="{BB962C8B-B14F-4D97-AF65-F5344CB8AC3E}">
+        <p14:creationId xmlns:p14="http://schemas.microsoft.com/office/powerpoint/2010/main" val="2197696388"/>
+      </p:ext>
+    </p:extLst>
+  </p:cSld>
+  <p:clrMapOvr>
+    <a:masterClrMapping/>
+  </p:clrMapOvr>
+</p:sld>
+</file>
+
 <file path=ppt/slides/slide9.xml><?xml version="1.0" encoding="utf-8"?>
 <p:sld xmlns:a="http://schemas.openxmlformats.org/drawingml/2006/main" xmlns:r="http://schemas.openxmlformats.org/officeDocument/2006/relationships" xmlns:p="http://schemas.openxmlformats.org/presentationml/2006/main">
   <p:cSld>
@@ -9750,12 +10361,14 @@
         </p:nvSpPr>
         <p:spPr>
           <a:xfrm>
-            <a:off x="259354" y="385487"/>
-            <a:ext cx="4035059" cy="436746"/>
+            <a:off x="113580" y="2857643"/>
+            <a:ext cx="4291821" cy="1142711"/>
           </a:xfrm>
         </p:spPr>
         <p:txBody>
-          <a:bodyPr/>
+          <a:bodyPr vert="horz" lIns="91440" tIns="45720" rIns="91440" bIns="45720" rtlCol="0" anchor="ctr">
+            <a:noAutofit/>
+          </a:bodyPr>
           <a:lstStyle/>
           <a:p>
             <a:r>
@@ -9763,9 +10376,8 @@
                 <a:solidFill>
                   <a:srgbClr val="E30513"/>
                 </a:solidFill>
-                <a:latin typeface="+mn-lt"/>
               </a:rPr>
-              <a:t>Referencias bibliográficas</a:t>
+              <a:t>Controles Existentes y Evaluación</a:t>
             </a:r>
           </a:p>
         </p:txBody>
@@ -9808,50 +10420,11 @@
             </a:lvl1pPr>
           </a:lstStyle>
           <a:p>
-            <a:pPr marL="901700" lvl="0" indent="-901700">
-              <a:lnSpc>
-                <a:spcPct val="200000"/>
-              </a:lnSpc>
+            <a:pPr marL="285750" indent="-285750" algn="just">
+              <a:buFont typeface="Arial" panose="020B0604020202020204" pitchFamily="34" charset="0"/>
+              <a:buChar char="•"/>
             </a:pPr>
-            <a:r>
-              <a:rPr lang="es-CL" sz="2000" dirty="0">
-                <a:solidFill>
-                  <a:schemeClr val="tx1">
-                    <a:lumMod val="75000"/>
-                    <a:lumOff val="25000"/>
-                  </a:schemeClr>
-                </a:solidFill>
-                <a:latin typeface="+mn-lt"/>
-              </a:rPr>
-              <a:t>Listar los documentos consultados de acuerdo a Norma APA 6° versión (sangría francesa y doble espacio).</a:t>
-            </a:r>
-          </a:p>
-          <a:p>
-            <a:pPr marL="901700" indent="-901700">
-              <a:lnSpc>
-                <a:spcPct val="200000"/>
-              </a:lnSpc>
-            </a:pPr>
-            <a:r>
-              <a:rPr lang="es-CL" sz="2000" dirty="0">
-                <a:solidFill>
-                  <a:schemeClr val="tx1">
-                    <a:lumMod val="75000"/>
-                    <a:lumOff val="25000"/>
-                  </a:schemeClr>
-                </a:solidFill>
-                <a:latin typeface="+mn-lt"/>
-              </a:rPr>
-              <a:t>Listar los documentos consultados de acuerdo a Norma APA 6° versión (sangría francesa y doble espacio).</a:t>
-            </a:r>
-          </a:p>
-          <a:p>
-            <a:pPr marL="901700" lvl="0" indent="-901700">
-              <a:lnSpc>
-                <a:spcPct val="200000"/>
-              </a:lnSpc>
-            </a:pPr>
-            <a:endParaRPr lang="es-CL" sz="2000" dirty="0">
+            <a:endParaRPr lang="es-CL" sz="2400" dirty="0">
               <a:solidFill>
                 <a:schemeClr val="tx1">
                   <a:lumMod val="75000"/>
@@ -9886,32 +10459,39 @@
           </a:p>
         </p:txBody>
       </p:sp>
-      <p:sp>
-        <p:nvSpPr>
-          <p:cNvPr id="4" name="Marcador de pie de página 3"/>
-          <p:cNvSpPr>
-            <a:spLocks noGrp="1"/>
-          </p:cNvSpPr>
-          <p:nvPr>
-            <p:ph type="ftr" sz="quarter" idx="11"/>
-          </p:nvPr>
-        </p:nvSpPr>
-        <p:spPr/>
-        <p:txBody>
-          <a:bodyPr/>
-          <a:lstStyle/>
-          <a:p>
-            <a:r>
-              <a:rPr lang="es-ES"/>
-              <a:t>Autor 1 - Autor 2 - Autor 3 - Autor 4 - Autor 5</a:t>
-            </a:r>
-          </a:p>
-        </p:txBody>
-      </p:sp>
+      <p:pic>
+        <p:nvPicPr>
+          <p:cNvPr id="6" name="Imagen 5">
+            <a:extLst>
+              <a:ext uri="{FF2B5EF4-FFF2-40B4-BE49-F238E27FC236}">
+                <a16:creationId xmlns:a16="http://schemas.microsoft.com/office/drawing/2014/main" id="{E59A46BB-2601-42CB-8637-C342BAA755A8}"/>
+              </a:ext>
+            </a:extLst>
+          </p:cNvPr>
+          <p:cNvPicPr>
+            <a:picLocks noChangeAspect="1"/>
+          </p:cNvPicPr>
+          <p:nvPr/>
+        </p:nvPicPr>
+        <p:blipFill rotWithShape="1">
+          <a:blip r:embed="rId2"/>
+          <a:srcRect l="13239" r="12775" b="11101"/>
+          <a:stretch/>
+        </p:blipFill>
+        <p:spPr>
+          <a:xfrm>
+            <a:off x="4405401" y="1952971"/>
+            <a:ext cx="4346712" cy="2952057"/>
+          </a:xfrm>
+          <a:prstGeom prst="rect">
+            <a:avLst/>
+          </a:prstGeom>
+        </p:spPr>
+      </p:pic>
     </p:spTree>
     <p:extLst>
       <p:ext uri="{BB962C8B-B14F-4D97-AF65-F5344CB8AC3E}">
-        <p14:creationId xmlns:p14="http://schemas.microsoft.com/office/powerpoint/2010/main" val="4224773177"/>
+        <p14:creationId xmlns:p14="http://schemas.microsoft.com/office/powerpoint/2010/main" val="1164546442"/>
       </p:ext>
     </p:extLst>
   </p:cSld>
@@ -10852,12 +11432,6 @@
 </file>
 
 <file path=customXml/item2.xml><?xml version="1.0" encoding="utf-8"?>
-<p:properties xmlns:p="http://schemas.microsoft.com/office/2006/metadata/properties" xmlns:xsi="http://www.w3.org/2001/XMLSchema-instance" xmlns:pc="http://schemas.microsoft.com/office/infopath/2007/PartnerControls">
-  <documentManagement/>
-</p:properties>
-</file>
-
-<file path=customXml/item3.xml><?xml version="1.0" encoding="utf-8"?>
 <ct:contentTypeSchema xmlns:ct="http://schemas.microsoft.com/office/2006/metadata/contentType" xmlns:ma="http://schemas.microsoft.com/office/2006/metadata/properties/metaAttributes" ct:_="" ma:_="" ma:contentTypeName="Documento" ma:contentTypeID="0x0101000F4758918AE592448477A0AA5DA5229B" ma:contentTypeVersion="0" ma:contentTypeDescription="Crear nuevo documento." ma:contentTypeScope="" ma:versionID="4712974915117db248daa0568bea06ff">
   <xsd:schema xmlns:xsd="http://www.w3.org/2001/XMLSchema" xmlns:xs="http://www.w3.org/2001/XMLSchema" xmlns:p="http://schemas.microsoft.com/office/2006/metadata/properties" targetNamespace="http://schemas.microsoft.com/office/2006/metadata/properties" ma:root="true" ma:fieldsID="3f6edc329ff236629c56e3b879b320d0">
     <xsd:element name="properties">
@@ -10971,6 +11545,12 @@
 </ct:contentTypeSchema>
 </file>
 
+<file path=customXml/item3.xml><?xml version="1.0" encoding="utf-8"?>
+<p:properties xmlns:p="http://schemas.microsoft.com/office/2006/metadata/properties" xmlns:xsi="http://www.w3.org/2001/XMLSchema-instance" xmlns:pc="http://schemas.microsoft.com/office/infopath/2007/PartnerControls">
+  <documentManagement/>
+</p:properties>
+</file>
+
 <file path=customXml/itemProps1.xml><?xml version="1.0" encoding="utf-8"?>
 <ds:datastoreItem xmlns:ds="http://schemas.openxmlformats.org/officeDocument/2006/customXml" ds:itemID="{AF2F9DA8-E6EE-4A55-B1BF-8F222A7179D9}">
   <ds:schemaRefs>
@@ -10980,15 +11560,6 @@
 </file>
 
 <file path=customXml/itemProps2.xml><?xml version="1.0" encoding="utf-8"?>
-<ds:datastoreItem xmlns:ds="http://schemas.openxmlformats.org/officeDocument/2006/customXml" ds:itemID="{17BC7EFF-F6A5-46A1-B973-BC543C86928B}">
-  <ds:schemaRefs>
-    <ds:schemaRef ds:uri="http://schemas.microsoft.com/office/2006/metadata/properties"/>
-    <ds:schemaRef ds:uri="http://schemas.microsoft.com/office/infopath/2007/PartnerControls"/>
-  </ds:schemaRefs>
-</ds:datastoreItem>
-</file>
-
-<file path=customXml/itemProps3.xml><?xml version="1.0" encoding="utf-8"?>
 <ds:datastoreItem xmlns:ds="http://schemas.openxmlformats.org/officeDocument/2006/customXml" ds:itemID="{7ACA9EC1-A498-469E-9FAB-CE090C2E0E75}">
   <ds:schemaRefs>
     <ds:schemaRef ds:uri="http://schemas.microsoft.com/office/2006/metadata/contentType"/>
@@ -11002,4 +11573,13 @@
     <ds:schemaRef ds:uri="http://schemas.microsoft.com/office/infopath/2007/PartnerControls"/>
   </ds:schemaRefs>
 </ds:datastoreItem>
+</file>
+
+<file path=customXml/itemProps3.xml><?xml version="1.0" encoding="utf-8"?>
+<ds:datastoreItem xmlns:ds="http://schemas.openxmlformats.org/officeDocument/2006/customXml" ds:itemID="{17BC7EFF-F6A5-46A1-B973-BC543C86928B}">
+  <ds:schemaRefs>
+    <ds:schemaRef ds:uri="http://schemas.microsoft.com/office/2006/metadata/properties"/>
+    <ds:schemaRef ds:uri="http://schemas.microsoft.com/office/infopath/2007/PartnerControls"/>
+  </ds:schemaRefs>
+</ds:datastoreItem>
 </file>